--- a/Slides/Lecture 11-1.pptx
+++ b/Slides/Lecture 11-1.pptx
@@ -261,7 +261,7 @@
           <a:p>
             <a:fld id="{9D758337-D373-401A-892D-7766A648A3F5}" type="datetimeFigureOut">
               <a:rPr lang="en-US" smtClean="0"/>
-              <a:t>2/14/19</a:t>
+              <a:t>2/13/2019</a:t>
             </a:fld>
             <a:endParaRPr lang="en-US"/>
           </a:p>
@@ -325,37 +325,38 @@
           <a:p>
             <a:pPr lvl="0"/>
             <a:r>
-              <a:rPr lang="en-US"/>
+              <a:rPr lang="en-US" smtClean="0"/>
               <a:t>Click to edit Master text styles</a:t>
             </a:r>
           </a:p>
           <a:p>
             <a:pPr lvl="1"/>
             <a:r>
-              <a:rPr lang="en-US"/>
+              <a:rPr lang="en-US" smtClean="0"/>
               <a:t>Second level</a:t>
             </a:r>
           </a:p>
           <a:p>
             <a:pPr lvl="2"/>
             <a:r>
-              <a:rPr lang="en-US"/>
+              <a:rPr lang="en-US" smtClean="0"/>
               <a:t>Third level</a:t>
             </a:r>
           </a:p>
           <a:p>
             <a:pPr lvl="3"/>
             <a:r>
-              <a:rPr lang="en-US"/>
+              <a:rPr lang="en-US" smtClean="0"/>
               <a:t>Fourth level</a:t>
             </a:r>
           </a:p>
           <a:p>
             <a:pPr lvl="4"/>
             <a:r>
-              <a:rPr lang="en-US"/>
+              <a:rPr lang="en-US" smtClean="0"/>
               <a:t>Fifth level</a:t>
             </a:r>
+            <a:endParaRPr lang="en-US"/>
           </a:p>
         </p:txBody>
       </p:sp>
@@ -825,9 +826,10 @@
           </a:lstStyle>
           <a:p>
             <a:r>
-              <a:rPr lang="en-US" dirty="0"/>
+              <a:rPr lang="en-US" dirty="0" smtClean="0"/>
               <a:t>Click to edit Master title style</a:t>
             </a:r>
+            <a:endParaRPr lang="en-US" dirty="0"/>
           </a:p>
         </p:txBody>
       </p:sp>
@@ -952,9 +954,10 @@
           </a:lstStyle>
           <a:p>
             <a:r>
-              <a:rPr lang="en-US" dirty="0"/>
+              <a:rPr lang="en-US" dirty="0" smtClean="0"/>
               <a:t>Click to edit Master subtitle style</a:t>
             </a:r>
+            <a:endParaRPr lang="en-US" dirty="0"/>
           </a:p>
         </p:txBody>
       </p:sp>
@@ -1036,9 +1039,10 @@
           </a:lstStyle>
           <a:p>
             <a:r>
-              <a:rPr lang="en-US" dirty="0"/>
+              <a:rPr lang="en-US" dirty="0" smtClean="0"/>
               <a:t>Click to edit Master title style</a:t>
             </a:r>
+            <a:endParaRPr lang="en-US" dirty="0"/>
           </a:p>
         </p:txBody>
       </p:sp>
@@ -1163,9 +1167,10 @@
           </a:lstStyle>
           <a:p>
             <a:r>
-              <a:rPr lang="en-US" dirty="0"/>
+              <a:rPr lang="en-US" dirty="0" smtClean="0"/>
               <a:t>Click to edit Master subtitle style</a:t>
             </a:r>
+            <a:endParaRPr lang="en-US" dirty="0"/>
           </a:p>
         </p:txBody>
       </p:sp>
@@ -1240,9 +1245,10 @@
           </a:lstStyle>
           <a:p>
             <a:r>
-              <a:rPr lang="en-US" dirty="0"/>
+              <a:rPr lang="en-US" dirty="0" smtClean="0"/>
               <a:t>Click to edit Master title style</a:t>
             </a:r>
+            <a:endParaRPr lang="en-US" dirty="0"/>
           </a:p>
         </p:txBody>
       </p:sp>
@@ -1268,35 +1274,35 @@
           <a:p>
             <a:pPr lvl="0"/>
             <a:r>
-              <a:rPr lang="en-US"/>
+              <a:rPr lang="en-US" smtClean="0"/>
               <a:t>Click to edit Master text styles</a:t>
             </a:r>
           </a:p>
           <a:p>
             <a:pPr lvl="1"/>
             <a:r>
-              <a:rPr lang="en-US"/>
+              <a:rPr lang="en-US" smtClean="0"/>
               <a:t>Second level</a:t>
             </a:r>
           </a:p>
           <a:p>
             <a:pPr lvl="2"/>
             <a:r>
-              <a:rPr lang="en-US"/>
+              <a:rPr lang="en-US" smtClean="0"/>
               <a:t>Third level</a:t>
             </a:r>
           </a:p>
           <a:p>
             <a:pPr lvl="3"/>
             <a:r>
-              <a:rPr lang="en-US"/>
+              <a:rPr lang="en-US" smtClean="0"/>
               <a:t>Fourth level</a:t>
             </a:r>
           </a:p>
           <a:p>
             <a:pPr lvl="4"/>
             <a:r>
-              <a:rPr lang="en-US"/>
+              <a:rPr lang="en-US" smtClean="0"/>
               <a:t>Fifth level</a:t>
             </a:r>
             <a:endParaRPr lang="en-US" dirty="0"/>
@@ -1365,7 +1371,7 @@
           </a:lstStyle>
           <a:p>
             <a:r>
-              <a:rPr lang="en-US"/>
+              <a:rPr lang="en-US" smtClean="0"/>
               <a:t>Click to edit Master title style</a:t>
             </a:r>
             <a:endParaRPr lang="en-US" dirty="0"/>
@@ -1485,7 +1491,7 @@
           <a:p>
             <a:pPr lvl="0"/>
             <a:r>
-              <a:rPr lang="en-US"/>
+              <a:rPr lang="en-US" smtClean="0"/>
               <a:t>Click to edit Master text styles</a:t>
             </a:r>
           </a:p>
@@ -1555,7 +1561,7 @@
           </a:lstStyle>
           <a:p>
             <a:r>
-              <a:rPr lang="en-US"/>
+              <a:rPr lang="en-US" smtClean="0"/>
               <a:t>Click to edit Master title style</a:t>
             </a:r>
             <a:endParaRPr lang="en-US" dirty="0"/>
@@ -1630,35 +1636,35 @@
           <a:p>
             <a:pPr lvl="0"/>
             <a:r>
-              <a:rPr lang="en-US"/>
+              <a:rPr lang="en-US" smtClean="0"/>
               <a:t>Click to edit Master text styles</a:t>
             </a:r>
           </a:p>
           <a:p>
             <a:pPr lvl="1"/>
             <a:r>
-              <a:rPr lang="en-US"/>
+              <a:rPr lang="en-US" smtClean="0"/>
               <a:t>Second level</a:t>
             </a:r>
           </a:p>
           <a:p>
             <a:pPr lvl="2"/>
             <a:r>
-              <a:rPr lang="en-US"/>
+              <a:rPr lang="en-US" smtClean="0"/>
               <a:t>Third level</a:t>
             </a:r>
           </a:p>
           <a:p>
             <a:pPr lvl="3"/>
             <a:r>
-              <a:rPr lang="en-US"/>
+              <a:rPr lang="en-US" smtClean="0"/>
               <a:t>Fourth level</a:t>
             </a:r>
           </a:p>
           <a:p>
             <a:pPr lvl="4"/>
             <a:r>
-              <a:rPr lang="en-US"/>
+              <a:rPr lang="en-US" smtClean="0"/>
               <a:t>Fifth level</a:t>
             </a:r>
             <a:endParaRPr lang="en-US" dirty="0"/>
@@ -1733,35 +1739,35 @@
           <a:p>
             <a:pPr lvl="0"/>
             <a:r>
-              <a:rPr lang="en-US"/>
+              <a:rPr lang="en-US" smtClean="0"/>
               <a:t>Click to edit Master text styles</a:t>
             </a:r>
           </a:p>
           <a:p>
             <a:pPr lvl="1"/>
             <a:r>
-              <a:rPr lang="en-US"/>
+              <a:rPr lang="en-US" smtClean="0"/>
               <a:t>Second level</a:t>
             </a:r>
           </a:p>
           <a:p>
             <a:pPr lvl="2"/>
             <a:r>
-              <a:rPr lang="en-US"/>
+              <a:rPr lang="en-US" smtClean="0"/>
               <a:t>Third level</a:t>
             </a:r>
           </a:p>
           <a:p>
             <a:pPr lvl="3"/>
             <a:r>
-              <a:rPr lang="en-US"/>
+              <a:rPr lang="en-US" smtClean="0"/>
               <a:t>Fourth level</a:t>
             </a:r>
           </a:p>
           <a:p>
             <a:pPr lvl="4"/>
             <a:r>
-              <a:rPr lang="en-US"/>
+              <a:rPr lang="en-US" smtClean="0"/>
               <a:t>Fifth level</a:t>
             </a:r>
             <a:endParaRPr lang="en-US" dirty="0"/>
@@ -1832,7 +1838,7 @@
           </a:lstStyle>
           <a:p>
             <a:r>
-              <a:rPr lang="en-US"/>
+              <a:rPr lang="en-US" smtClean="0"/>
               <a:t>Click to edit Master title style</a:t>
             </a:r>
             <a:endParaRPr lang="en-US" dirty="0"/>
@@ -1907,7 +1913,7 @@
           <a:p>
             <a:pPr lvl="0"/>
             <a:r>
-              <a:rPr lang="en-US"/>
+              <a:rPr lang="en-US" smtClean="0"/>
               <a:t>Click to edit Master text styles</a:t>
             </a:r>
           </a:p>
@@ -1978,35 +1984,35 @@
           <a:p>
             <a:pPr lvl="0"/>
             <a:r>
-              <a:rPr lang="en-US"/>
+              <a:rPr lang="en-US" smtClean="0"/>
               <a:t>Click to edit Master text styles</a:t>
             </a:r>
           </a:p>
           <a:p>
             <a:pPr lvl="1"/>
             <a:r>
-              <a:rPr lang="en-US"/>
+              <a:rPr lang="en-US" smtClean="0"/>
               <a:t>Second level</a:t>
             </a:r>
           </a:p>
           <a:p>
             <a:pPr lvl="2"/>
             <a:r>
-              <a:rPr lang="en-US"/>
+              <a:rPr lang="en-US" smtClean="0"/>
               <a:t>Third level</a:t>
             </a:r>
           </a:p>
           <a:p>
             <a:pPr lvl="3"/>
             <a:r>
-              <a:rPr lang="en-US"/>
+              <a:rPr lang="en-US" smtClean="0"/>
               <a:t>Fourth level</a:t>
             </a:r>
           </a:p>
           <a:p>
             <a:pPr lvl="4"/>
             <a:r>
-              <a:rPr lang="en-US"/>
+              <a:rPr lang="en-US" smtClean="0"/>
               <a:t>Fifth level</a:t>
             </a:r>
             <a:endParaRPr lang="en-US" dirty="0"/>
@@ -2081,7 +2087,7 @@
           <a:p>
             <a:pPr lvl="0"/>
             <a:r>
-              <a:rPr lang="en-US"/>
+              <a:rPr lang="en-US" smtClean="0"/>
               <a:t>Click to edit Master text styles</a:t>
             </a:r>
           </a:p>
@@ -2152,35 +2158,35 @@
           <a:p>
             <a:pPr lvl="0"/>
             <a:r>
-              <a:rPr lang="en-US"/>
+              <a:rPr lang="en-US" smtClean="0"/>
               <a:t>Click to edit Master text styles</a:t>
             </a:r>
           </a:p>
           <a:p>
             <a:pPr lvl="1"/>
             <a:r>
-              <a:rPr lang="en-US"/>
+              <a:rPr lang="en-US" smtClean="0"/>
               <a:t>Second level</a:t>
             </a:r>
           </a:p>
           <a:p>
             <a:pPr lvl="2"/>
             <a:r>
-              <a:rPr lang="en-US"/>
+              <a:rPr lang="en-US" smtClean="0"/>
               <a:t>Third level</a:t>
             </a:r>
           </a:p>
           <a:p>
             <a:pPr lvl="3"/>
             <a:r>
-              <a:rPr lang="en-US"/>
+              <a:rPr lang="en-US" smtClean="0"/>
               <a:t>Fourth level</a:t>
             </a:r>
           </a:p>
           <a:p>
             <a:pPr lvl="4"/>
             <a:r>
-              <a:rPr lang="en-US"/>
+              <a:rPr lang="en-US" smtClean="0"/>
               <a:t>Fifth level</a:t>
             </a:r>
             <a:endParaRPr lang="en-US" dirty="0"/>
@@ -2251,7 +2257,7 @@
           </a:lstStyle>
           <a:p>
             <a:r>
-              <a:rPr lang="en-US"/>
+              <a:rPr lang="en-US" smtClean="0"/>
               <a:t>Click to edit Master title style</a:t>
             </a:r>
             <a:endParaRPr lang="en-US" dirty="0"/>
@@ -2352,7 +2358,7 @@
           </a:lstStyle>
           <a:p>
             <a:r>
-              <a:rPr lang="en-US"/>
+              <a:rPr lang="en-US" smtClean="0"/>
               <a:t>Click to edit Master title style</a:t>
             </a:r>
             <a:endParaRPr lang="en-US" dirty="0"/>
@@ -2427,35 +2433,35 @@
           <a:p>
             <a:pPr lvl="0"/>
             <a:r>
-              <a:rPr lang="en-US"/>
+              <a:rPr lang="en-US" smtClean="0"/>
               <a:t>Click to edit Master text styles</a:t>
             </a:r>
           </a:p>
           <a:p>
             <a:pPr lvl="1"/>
             <a:r>
-              <a:rPr lang="en-US"/>
+              <a:rPr lang="en-US" smtClean="0"/>
               <a:t>Second level</a:t>
             </a:r>
           </a:p>
           <a:p>
             <a:pPr lvl="2"/>
             <a:r>
-              <a:rPr lang="en-US"/>
+              <a:rPr lang="en-US" smtClean="0"/>
               <a:t>Third level</a:t>
             </a:r>
           </a:p>
           <a:p>
             <a:pPr lvl="3"/>
             <a:r>
-              <a:rPr lang="en-US"/>
+              <a:rPr lang="en-US" smtClean="0"/>
               <a:t>Fourth level</a:t>
             </a:r>
           </a:p>
           <a:p>
             <a:pPr lvl="4"/>
             <a:r>
-              <a:rPr lang="en-US"/>
+              <a:rPr lang="en-US" smtClean="0"/>
               <a:t>Fifth level</a:t>
             </a:r>
             <a:endParaRPr lang="en-US" dirty="0"/>
@@ -2527,7 +2533,7 @@
           <a:p>
             <a:pPr lvl="0"/>
             <a:r>
-              <a:rPr lang="en-US"/>
+              <a:rPr lang="en-US" smtClean="0"/>
               <a:t>Click to edit Master text styles</a:t>
             </a:r>
           </a:p>
@@ -2597,7 +2603,7 @@
           </a:lstStyle>
           <a:p>
             <a:r>
-              <a:rPr lang="en-US"/>
+              <a:rPr lang="en-US" smtClean="0"/>
               <a:t>Click to edit Master title style</a:t>
             </a:r>
             <a:endParaRPr lang="en-US" dirty="0"/>
@@ -2662,9 +2668,10 @@
           </a:lstStyle>
           <a:p>
             <a:r>
-              <a:rPr lang="en-US"/>
+              <a:rPr lang="en-US" smtClean="0"/>
               <a:t>Click icon to add picture</a:t>
             </a:r>
+            <a:endParaRPr lang="en-US"/>
           </a:p>
         </p:txBody>
       </p:sp>
@@ -2733,7 +2740,7 @@
           <a:p>
             <a:pPr lvl="0"/>
             <a:r>
-              <a:rPr lang="en-US"/>
+              <a:rPr lang="en-US" smtClean="0"/>
               <a:t>Click to edit Master text styles</a:t>
             </a:r>
           </a:p>
@@ -2810,9 +2817,10 @@
           </a:lstStyle>
           <a:p>
             <a:r>
-              <a:rPr lang="en-US" dirty="0"/>
+              <a:rPr lang="en-US" dirty="0" smtClean="0"/>
               <a:t>Click to edit Master title style</a:t>
             </a:r>
+            <a:endParaRPr lang="en-US" dirty="0"/>
           </a:p>
         </p:txBody>
       </p:sp>
@@ -2838,35 +2846,35 @@
           <a:p>
             <a:pPr lvl="0"/>
             <a:r>
-              <a:rPr lang="en-US"/>
+              <a:rPr lang="en-US" smtClean="0"/>
               <a:t>Click to edit Master text styles</a:t>
             </a:r>
           </a:p>
           <a:p>
             <a:pPr lvl="1"/>
             <a:r>
-              <a:rPr lang="en-US"/>
+              <a:rPr lang="en-US" smtClean="0"/>
               <a:t>Second level</a:t>
             </a:r>
           </a:p>
           <a:p>
             <a:pPr lvl="2"/>
             <a:r>
-              <a:rPr lang="en-US"/>
+              <a:rPr lang="en-US" smtClean="0"/>
               <a:t>Third level</a:t>
             </a:r>
           </a:p>
           <a:p>
             <a:pPr lvl="3"/>
             <a:r>
-              <a:rPr lang="en-US"/>
+              <a:rPr lang="en-US" smtClean="0"/>
               <a:t>Fourth level</a:t>
             </a:r>
           </a:p>
           <a:p>
             <a:pPr lvl="4"/>
             <a:r>
-              <a:rPr lang="en-US"/>
+              <a:rPr lang="en-US" smtClean="0"/>
               <a:t>Fifth level</a:t>
             </a:r>
             <a:endParaRPr lang="en-US" dirty="0"/>
@@ -2935,7 +2943,7 @@
           </a:lstStyle>
           <a:p>
             <a:r>
-              <a:rPr lang="en-US"/>
+              <a:rPr lang="en-US" smtClean="0"/>
               <a:t>Click to edit Master title style</a:t>
             </a:r>
             <a:endParaRPr lang="en-US" dirty="0"/>
@@ -3055,7 +3063,7 @@
           <a:p>
             <a:pPr lvl="0"/>
             <a:r>
-              <a:rPr lang="en-US"/>
+              <a:rPr lang="en-US" smtClean="0"/>
               <a:t>Click to edit Master text styles</a:t>
             </a:r>
           </a:p>
@@ -3125,7 +3133,7 @@
           </a:lstStyle>
           <a:p>
             <a:r>
-              <a:rPr lang="en-US"/>
+              <a:rPr lang="en-US" smtClean="0"/>
               <a:t>Click to edit Master title style</a:t>
             </a:r>
             <a:endParaRPr lang="en-US" dirty="0"/>
@@ -3200,35 +3208,35 @@
           <a:p>
             <a:pPr lvl="0"/>
             <a:r>
-              <a:rPr lang="en-US"/>
+              <a:rPr lang="en-US" smtClean="0"/>
               <a:t>Click to edit Master text styles</a:t>
             </a:r>
           </a:p>
           <a:p>
             <a:pPr lvl="1"/>
             <a:r>
-              <a:rPr lang="en-US"/>
+              <a:rPr lang="en-US" smtClean="0"/>
               <a:t>Second level</a:t>
             </a:r>
           </a:p>
           <a:p>
             <a:pPr lvl="2"/>
             <a:r>
-              <a:rPr lang="en-US"/>
+              <a:rPr lang="en-US" smtClean="0"/>
               <a:t>Third level</a:t>
             </a:r>
           </a:p>
           <a:p>
             <a:pPr lvl="3"/>
             <a:r>
-              <a:rPr lang="en-US"/>
+              <a:rPr lang="en-US" smtClean="0"/>
               <a:t>Fourth level</a:t>
             </a:r>
           </a:p>
           <a:p>
             <a:pPr lvl="4"/>
             <a:r>
-              <a:rPr lang="en-US"/>
+              <a:rPr lang="en-US" smtClean="0"/>
               <a:t>Fifth level</a:t>
             </a:r>
             <a:endParaRPr lang="en-US" dirty="0"/>
@@ -3303,35 +3311,35 @@
           <a:p>
             <a:pPr lvl="0"/>
             <a:r>
-              <a:rPr lang="en-US"/>
+              <a:rPr lang="en-US" smtClean="0"/>
               <a:t>Click to edit Master text styles</a:t>
             </a:r>
           </a:p>
           <a:p>
             <a:pPr lvl="1"/>
             <a:r>
-              <a:rPr lang="en-US"/>
+              <a:rPr lang="en-US" smtClean="0"/>
               <a:t>Second level</a:t>
             </a:r>
           </a:p>
           <a:p>
             <a:pPr lvl="2"/>
             <a:r>
-              <a:rPr lang="en-US"/>
+              <a:rPr lang="en-US" smtClean="0"/>
               <a:t>Third level</a:t>
             </a:r>
           </a:p>
           <a:p>
             <a:pPr lvl="3"/>
             <a:r>
-              <a:rPr lang="en-US"/>
+              <a:rPr lang="en-US" smtClean="0"/>
               <a:t>Fourth level</a:t>
             </a:r>
           </a:p>
           <a:p>
             <a:pPr lvl="4"/>
             <a:r>
-              <a:rPr lang="en-US"/>
+              <a:rPr lang="en-US" smtClean="0"/>
               <a:t>Fifth level</a:t>
             </a:r>
             <a:endParaRPr lang="en-US" dirty="0"/>
@@ -3402,7 +3410,7 @@
           </a:lstStyle>
           <a:p>
             <a:r>
-              <a:rPr lang="en-US"/>
+              <a:rPr lang="en-US" smtClean="0"/>
               <a:t>Click to edit Master title style</a:t>
             </a:r>
             <a:endParaRPr lang="en-US" dirty="0"/>
@@ -3477,7 +3485,7 @@
           <a:p>
             <a:pPr lvl="0"/>
             <a:r>
-              <a:rPr lang="en-US"/>
+              <a:rPr lang="en-US" smtClean="0"/>
               <a:t>Click to edit Master text styles</a:t>
             </a:r>
           </a:p>
@@ -3548,35 +3556,35 @@
           <a:p>
             <a:pPr lvl="0"/>
             <a:r>
-              <a:rPr lang="en-US"/>
+              <a:rPr lang="en-US" smtClean="0"/>
               <a:t>Click to edit Master text styles</a:t>
             </a:r>
           </a:p>
           <a:p>
             <a:pPr lvl="1"/>
             <a:r>
-              <a:rPr lang="en-US"/>
+              <a:rPr lang="en-US" smtClean="0"/>
               <a:t>Second level</a:t>
             </a:r>
           </a:p>
           <a:p>
             <a:pPr lvl="2"/>
             <a:r>
-              <a:rPr lang="en-US"/>
+              <a:rPr lang="en-US" smtClean="0"/>
               <a:t>Third level</a:t>
             </a:r>
           </a:p>
           <a:p>
             <a:pPr lvl="3"/>
             <a:r>
-              <a:rPr lang="en-US"/>
+              <a:rPr lang="en-US" smtClean="0"/>
               <a:t>Fourth level</a:t>
             </a:r>
           </a:p>
           <a:p>
             <a:pPr lvl="4"/>
             <a:r>
-              <a:rPr lang="en-US"/>
+              <a:rPr lang="en-US" smtClean="0"/>
               <a:t>Fifth level</a:t>
             </a:r>
             <a:endParaRPr lang="en-US" dirty="0"/>
@@ -3651,7 +3659,7 @@
           <a:p>
             <a:pPr lvl="0"/>
             <a:r>
-              <a:rPr lang="en-US"/>
+              <a:rPr lang="en-US" smtClean="0"/>
               <a:t>Click to edit Master text styles</a:t>
             </a:r>
           </a:p>
@@ -3722,35 +3730,35 @@
           <a:p>
             <a:pPr lvl="0"/>
             <a:r>
-              <a:rPr lang="en-US"/>
+              <a:rPr lang="en-US" smtClean="0"/>
               <a:t>Click to edit Master text styles</a:t>
             </a:r>
           </a:p>
           <a:p>
             <a:pPr lvl="1"/>
             <a:r>
-              <a:rPr lang="en-US"/>
+              <a:rPr lang="en-US" smtClean="0"/>
               <a:t>Second level</a:t>
             </a:r>
           </a:p>
           <a:p>
             <a:pPr lvl="2"/>
             <a:r>
-              <a:rPr lang="en-US"/>
+              <a:rPr lang="en-US" smtClean="0"/>
               <a:t>Third level</a:t>
             </a:r>
           </a:p>
           <a:p>
             <a:pPr lvl="3"/>
             <a:r>
-              <a:rPr lang="en-US"/>
+              <a:rPr lang="en-US" smtClean="0"/>
               <a:t>Fourth level</a:t>
             </a:r>
           </a:p>
           <a:p>
             <a:pPr lvl="4"/>
             <a:r>
-              <a:rPr lang="en-US"/>
+              <a:rPr lang="en-US" smtClean="0"/>
               <a:t>Fifth level</a:t>
             </a:r>
             <a:endParaRPr lang="en-US" dirty="0"/>
@@ -3821,7 +3829,7 @@
           </a:lstStyle>
           <a:p>
             <a:r>
-              <a:rPr lang="en-US"/>
+              <a:rPr lang="en-US" smtClean="0"/>
               <a:t>Click to edit Master title style</a:t>
             </a:r>
             <a:endParaRPr lang="en-US" dirty="0"/>
@@ -3922,7 +3930,7 @@
           </a:lstStyle>
           <a:p>
             <a:r>
-              <a:rPr lang="en-US"/>
+              <a:rPr lang="en-US" smtClean="0"/>
               <a:t>Click to edit Master title style</a:t>
             </a:r>
             <a:endParaRPr lang="en-US" dirty="0"/>
@@ -3997,35 +4005,35 @@
           <a:p>
             <a:pPr lvl="0"/>
             <a:r>
-              <a:rPr lang="en-US"/>
+              <a:rPr lang="en-US" smtClean="0"/>
               <a:t>Click to edit Master text styles</a:t>
             </a:r>
           </a:p>
           <a:p>
             <a:pPr lvl="1"/>
             <a:r>
-              <a:rPr lang="en-US"/>
+              <a:rPr lang="en-US" smtClean="0"/>
               <a:t>Second level</a:t>
             </a:r>
           </a:p>
           <a:p>
             <a:pPr lvl="2"/>
             <a:r>
-              <a:rPr lang="en-US"/>
+              <a:rPr lang="en-US" smtClean="0"/>
               <a:t>Third level</a:t>
             </a:r>
           </a:p>
           <a:p>
             <a:pPr lvl="3"/>
             <a:r>
-              <a:rPr lang="en-US"/>
+              <a:rPr lang="en-US" smtClean="0"/>
               <a:t>Fourth level</a:t>
             </a:r>
           </a:p>
           <a:p>
             <a:pPr lvl="4"/>
             <a:r>
-              <a:rPr lang="en-US"/>
+              <a:rPr lang="en-US" smtClean="0"/>
               <a:t>Fifth level</a:t>
             </a:r>
             <a:endParaRPr lang="en-US" dirty="0"/>
@@ -4097,7 +4105,7 @@
           <a:p>
             <a:pPr lvl="0"/>
             <a:r>
-              <a:rPr lang="en-US"/>
+              <a:rPr lang="en-US" smtClean="0"/>
               <a:t>Click to edit Master text styles</a:t>
             </a:r>
           </a:p>
@@ -4167,7 +4175,7 @@
           </a:lstStyle>
           <a:p>
             <a:r>
-              <a:rPr lang="en-US"/>
+              <a:rPr lang="en-US" smtClean="0"/>
               <a:t>Click to edit Master title style</a:t>
             </a:r>
             <a:endParaRPr lang="en-US" dirty="0"/>
@@ -4232,9 +4240,10 @@
           </a:lstStyle>
           <a:p>
             <a:r>
-              <a:rPr lang="en-US"/>
+              <a:rPr lang="en-US" smtClean="0"/>
               <a:t>Click icon to add picture</a:t>
             </a:r>
+            <a:endParaRPr lang="en-US"/>
           </a:p>
         </p:txBody>
       </p:sp>
@@ -4303,7 +4312,7 @@
           <a:p>
             <a:pPr lvl="0"/>
             <a:r>
-              <a:rPr lang="en-US"/>
+              <a:rPr lang="en-US" smtClean="0"/>
               <a:t>Click to edit Master text styles</a:t>
             </a:r>
           </a:p>
@@ -4374,35 +4383,35 @@
           <a:p>
             <a:pPr lvl="0"/>
             <a:r>
-              <a:rPr lang="en-US"/>
+              <a:rPr lang="en-US" smtClean="0"/>
               <a:t>Click to edit Master text styles</a:t>
             </a:r>
           </a:p>
           <a:p>
             <a:pPr lvl="1"/>
             <a:r>
-              <a:rPr lang="en-US"/>
+              <a:rPr lang="en-US" smtClean="0"/>
               <a:t>Second level</a:t>
             </a:r>
           </a:p>
           <a:p>
             <a:pPr lvl="2"/>
             <a:r>
-              <a:rPr lang="en-US"/>
+              <a:rPr lang="en-US" smtClean="0"/>
               <a:t>Third level</a:t>
             </a:r>
           </a:p>
           <a:p>
             <a:pPr lvl="3"/>
             <a:r>
-              <a:rPr lang="en-US"/>
+              <a:rPr lang="en-US" smtClean="0"/>
               <a:t>Fourth level</a:t>
             </a:r>
           </a:p>
           <a:p>
             <a:pPr lvl="4"/>
             <a:r>
-              <a:rPr lang="en-US"/>
+              <a:rPr lang="en-US" smtClean="0"/>
               <a:t>Fifth level</a:t>
             </a:r>
             <a:endParaRPr lang="en-US" dirty="0"/>
@@ -4428,6 +4437,13 @@
     <p:sldLayoutId id="2147483668" r:id="rId8"/>
     <p:sldLayoutId id="2147483669" r:id="rId9"/>
   </p:sldLayoutIdLst>
+  <p:timing>
+    <p:tnLst>
+      <p:par>
+        <p:cTn id="1" dur="indefinite" restart="never" nodeType="tmRoot"/>
+      </p:par>
+    </p:tnLst>
+  </p:timing>
   <p:hf hdr="0" ftr="0" dt="0"/>
   <p:txStyles>
     <p:titleStyle>
@@ -4742,35 +4758,35 @@
           <a:p>
             <a:pPr lvl="0"/>
             <a:r>
-              <a:rPr lang="en-US"/>
+              <a:rPr lang="en-US" smtClean="0"/>
               <a:t>Click to edit Master text styles</a:t>
             </a:r>
           </a:p>
           <a:p>
             <a:pPr lvl="1"/>
             <a:r>
-              <a:rPr lang="en-US"/>
+              <a:rPr lang="en-US" smtClean="0"/>
               <a:t>Second level</a:t>
             </a:r>
           </a:p>
           <a:p>
             <a:pPr lvl="2"/>
             <a:r>
-              <a:rPr lang="en-US"/>
+              <a:rPr lang="en-US" smtClean="0"/>
               <a:t>Third level</a:t>
             </a:r>
           </a:p>
           <a:p>
             <a:pPr lvl="3"/>
             <a:r>
-              <a:rPr lang="en-US"/>
+              <a:rPr lang="en-US" smtClean="0"/>
               <a:t>Fourth level</a:t>
             </a:r>
           </a:p>
           <a:p>
             <a:pPr lvl="4"/>
             <a:r>
-              <a:rPr lang="en-US"/>
+              <a:rPr lang="en-US" smtClean="0"/>
               <a:t>Fifth level</a:t>
             </a:r>
             <a:endParaRPr lang="en-US" dirty="0"/>
@@ -4796,6 +4812,13 @@
     <p:sldLayoutId id="2147483678" r:id="rId8"/>
     <p:sldLayoutId id="2147483679" r:id="rId9"/>
   </p:sldLayoutIdLst>
+  <p:timing>
+    <p:tnLst>
+      <p:par>
+        <p:cTn id="1" dur="indefinite" restart="never" nodeType="tmRoot"/>
+      </p:par>
+    </p:tnLst>
+  </p:timing>
   <p:hf hdr="0" ftr="0" dt="0"/>
   <p:txStyles>
     <p:titleStyle>
@@ -5122,6 +5145,13 @@
   <p:clrMapOvr>
     <a:masterClrMapping/>
   </p:clrMapOvr>
+  <p:timing>
+    <p:tnLst>
+      <p:par>
+        <p:cTn id="1" dur="indefinite" restart="never" nodeType="tmRoot"/>
+      </p:par>
+    </p:tnLst>
+  </p:timing>
 </p:sld>
 </file>
 
@@ -5158,9 +5188,10 @@
           <a:lstStyle/>
           <a:p>
             <a:r>
-              <a:rPr lang="en-US" dirty="0"/>
+              <a:rPr lang="en-US" dirty="0" smtClean="0"/>
               <a:t>Gradient Descent</a:t>
             </a:r>
+            <a:endParaRPr lang="en-US" dirty="0"/>
           </a:p>
         </p:txBody>
       </p:sp>
@@ -5211,9 +5242,10 @@
           <a:lstStyle/>
           <a:p>
             <a:r>
-              <a:rPr lang="en-US" dirty="0"/>
+              <a:rPr lang="en-US" dirty="0" smtClean="0"/>
               <a:t>[Deep Learning book]</a:t>
             </a:r>
+            <a:endParaRPr lang="en-US" dirty="0"/>
           </a:p>
         </p:txBody>
       </p:sp>
@@ -5227,6 +5259,13 @@
   <p:clrMapOvr>
     <a:masterClrMapping/>
   </p:clrMapOvr>
+  <p:timing>
+    <p:tnLst>
+      <p:par>
+        <p:cTn id="1" dur="indefinite" restart="never" nodeType="tmRoot"/>
+      </p:par>
+    </p:tnLst>
+  </p:timing>
 </p:sld>
 </file>
 
@@ -5271,17 +5310,18 @@
           <a:lstStyle/>
           <a:p>
             <a:r>
-              <a:rPr lang="en-US" dirty="0"/>
+              <a:rPr lang="en-US" dirty="0" smtClean="0"/>
               <a:t>Gradient </a:t>
             </a:r>
             <a:r>
-              <a:rPr lang="bg-BG" dirty="0"/>
+              <a:rPr lang="bg-BG" dirty="0" smtClean="0"/>
               <a:t>De</a:t>
             </a:r>
             <a:r>
-              <a:rPr lang="en-US" dirty="0"/>
+              <a:rPr lang="en-US" dirty="0" smtClean="0"/>
               <a:t>scent Example</a:t>
             </a:r>
+            <a:endParaRPr lang="en-US" dirty="0"/>
           </a:p>
         </p:txBody>
       </p:sp>
@@ -5308,7 +5348,7 @@
           <a:lstStyle/>
           <a:p>
             <a:r>
-              <a:rPr lang="en-US" dirty="0"/>
+              <a:rPr lang="en-US" dirty="0" smtClean="0"/>
               <a:t>Starting value</a:t>
             </a:r>
           </a:p>
@@ -5322,7 +5362,11 @@
             </a:r>
             <a:r>
               <a:rPr lang="en-US" dirty="0"/>
-              <a:t> = (1,-1,-2,3)</a:t>
+              <a:t> = (1,-1,-2,3</a:t>
+            </a:r>
+            <a:r>
+              <a:rPr lang="en-US" dirty="0" smtClean="0"/>
+              <a:t>)</a:t>
             </a:r>
           </a:p>
           <a:p>
@@ -5330,13 +5374,13 @@
               <a:buNone/>
             </a:pPr>
             <a:r>
-              <a:rPr lang="en-US" dirty="0"/>
+              <a:rPr lang="en-US" dirty="0" smtClean="0"/>
               <a:t>accuracy 66%</a:t>
             </a:r>
           </a:p>
           <a:p>
             <a:r>
-              <a:rPr lang="en-US" dirty="0"/>
+              <a:rPr lang="en-US" dirty="0" smtClean="0"/>
               <a:t>Next value</a:t>
             </a:r>
           </a:p>
@@ -5350,21 +5394,26 @@
             </a:r>
             <a:r>
               <a:rPr lang="en-US" dirty="0"/>
-              <a:t> = (2,-2,-1,2)</a:t>
-            </a:r>
+              <a:t> = </a:t>
+            </a:r>
+            <a:r>
+              <a:rPr lang="en-US" dirty="0" smtClean="0"/>
+              <a:t>(2,-2,-1,2)</a:t>
+            </a:r>
+            <a:endParaRPr lang="en-US" dirty="0"/>
           </a:p>
           <a:p>
             <a:pPr marL="609570" lvl="1" indent="0">
               <a:buNone/>
             </a:pPr>
             <a:r>
-              <a:rPr lang="en-US" dirty="0"/>
+              <a:rPr lang="en-US" dirty="0" smtClean="0"/>
               <a:t>accuracy 73%</a:t>
             </a:r>
           </a:p>
           <a:p>
             <a:r>
-              <a:rPr lang="en-US" dirty="0"/>
+              <a:rPr lang="en-US" dirty="0" smtClean="0"/>
               <a:t>Next value</a:t>
             </a:r>
           </a:p>
@@ -5378,21 +5427,26 @@
             </a:r>
             <a:r>
               <a:rPr lang="en-US" dirty="0"/>
-              <a:t> = (3,-2,-1,4)</a:t>
-            </a:r>
+              <a:t> = </a:t>
+            </a:r>
+            <a:r>
+              <a:rPr lang="en-US" dirty="0" smtClean="0"/>
+              <a:t>(3,-2,-1,4)</a:t>
+            </a:r>
+            <a:endParaRPr lang="en-US" dirty="0"/>
           </a:p>
           <a:p>
             <a:pPr marL="609570" lvl="1" indent="0">
               <a:buNone/>
             </a:pPr>
             <a:r>
-              <a:rPr lang="en-US" dirty="0"/>
+              <a:rPr lang="en-US" dirty="0" smtClean="0"/>
               <a:t>accuracy 80%</a:t>
             </a:r>
           </a:p>
           <a:p>
             <a:r>
-              <a:rPr lang="en-US" dirty="0"/>
+              <a:rPr lang="en-US" dirty="0" smtClean="0"/>
               <a:t>etc.</a:t>
             </a:r>
           </a:p>
@@ -5408,6 +5462,13 @@
   <p:clrMapOvr>
     <a:masterClrMapping/>
   </p:clrMapOvr>
+  <p:timing>
+    <p:tnLst>
+      <p:par>
+        <p:cTn id="1" dur="indefinite" restart="never" nodeType="tmRoot"/>
+      </p:par>
+    </p:tnLst>
+  </p:timing>
 </p:sld>
 </file>
 
@@ -5475,9 +5536,10 @@
           <a:lstStyle/>
           <a:p>
             <a:r>
-              <a:rPr lang="en-US" dirty="0"/>
+              <a:rPr lang="en-US" dirty="0" smtClean="0"/>
               <a:t>[Example from Stephen Clark]</a:t>
             </a:r>
+            <a:endParaRPr lang="en-US" dirty="0"/>
           </a:p>
         </p:txBody>
       </p:sp>
@@ -5497,9 +5559,10 @@
           <a:lstStyle/>
           <a:p>
             <a:r>
-              <a:rPr lang="en-US" dirty="0"/>
+              <a:rPr lang="en-US" dirty="0" smtClean="0"/>
               <a:t>Empirical Risk Minimization (ERM)</a:t>
             </a:r>
+            <a:endParaRPr lang="en-US" dirty="0"/>
           </a:p>
         </p:txBody>
       </p:sp>
@@ -5513,6 +5576,21 @@
   <p:clrMapOvr>
     <a:masterClrMapping/>
   </p:clrMapOvr>
+  <mc:AlternateContent xmlns:mc="http://schemas.openxmlformats.org/markup-compatibility/2006">
+    <mc:Choice xmlns:p14="http://schemas.microsoft.com/office/powerpoint/2010/main" Requires="p14">
+      <p:transition spd="slow" p14:dur="2000"/>
+    </mc:Choice>
+    <mc:Fallback>
+      <p:transition spd="slow"/>
+    </mc:Fallback>
+  </mc:AlternateContent>
+  <p:timing>
+    <p:tnLst>
+      <p:par>
+        <p:cTn id="1" dur="indefinite" restart="never" nodeType="tmRoot"/>
+      </p:par>
+    </p:tnLst>
+  </p:timing>
 </p:sld>
 </file>
 
@@ -5549,9 +5627,10 @@
           <a:lstStyle/>
           <a:p>
             <a:r>
-              <a:rPr lang="en-US" dirty="0"/>
+              <a:rPr lang="en-US" dirty="0" smtClean="0"/>
               <a:t>Training Process</a:t>
             </a:r>
+            <a:endParaRPr lang="en-US" dirty="0"/>
           </a:p>
         </p:txBody>
       </p:sp>
@@ -5602,17 +5681,18 @@
           <a:lstStyle/>
           <a:p>
             <a:r>
-              <a:rPr lang="en-US" dirty="0"/>
+              <a:rPr lang="en-US" dirty="0" smtClean="0"/>
               <a:t>[Greg </a:t>
             </a:r>
             <a:r>
-              <a:rPr lang="en-US" dirty="0" err="1"/>
+              <a:rPr lang="en-US" dirty="0" err="1" smtClean="0"/>
               <a:t>Durrett</a:t>
             </a:r>
             <a:r>
-              <a:rPr lang="en-US" dirty="0"/>
+              <a:rPr lang="en-US" dirty="0" smtClean="0"/>
               <a:t>]</a:t>
             </a:r>
+            <a:endParaRPr lang="en-US" dirty="0"/>
           </a:p>
         </p:txBody>
       </p:sp>
@@ -5626,6 +5706,21 @@
   <p:clrMapOvr>
     <a:masterClrMapping/>
   </p:clrMapOvr>
+  <mc:AlternateContent xmlns:mc="http://schemas.openxmlformats.org/markup-compatibility/2006">
+    <mc:Choice xmlns:p14="http://schemas.microsoft.com/office/powerpoint/2010/main" Requires="p14">
+      <p:transition spd="slow" p14:dur="2000"/>
+    </mc:Choice>
+    <mc:Fallback>
+      <p:transition spd="slow"/>
+    </mc:Fallback>
+  </mc:AlternateContent>
+  <p:timing>
+    <p:tnLst>
+      <p:par>
+        <p:cTn id="1" dur="indefinite" restart="never" nodeType="tmRoot"/>
+      </p:par>
+    </p:tnLst>
+  </p:timing>
 </p:sld>
 </file>
 
@@ -5662,9 +5757,10 @@
           <a:lstStyle/>
           <a:p>
             <a:r>
-              <a:rPr lang="en-US" dirty="0"/>
+              <a:rPr lang="en-US" dirty="0" smtClean="0"/>
               <a:t>Computing Gradients</a:t>
             </a:r>
+            <a:endParaRPr lang="en-US" dirty="0"/>
           </a:p>
         </p:txBody>
       </p:sp>
@@ -5715,17 +5811,18 @@
           <a:lstStyle/>
           <a:p>
             <a:r>
-              <a:rPr lang="en-US" dirty="0"/>
+              <a:rPr lang="en-US" dirty="0" smtClean="0"/>
               <a:t>[Greg </a:t>
             </a:r>
             <a:r>
-              <a:rPr lang="en-US" dirty="0" err="1"/>
+              <a:rPr lang="en-US" dirty="0" err="1" smtClean="0"/>
               <a:t>Durrett</a:t>
             </a:r>
             <a:r>
-              <a:rPr lang="en-US" dirty="0"/>
+              <a:rPr lang="en-US" dirty="0" smtClean="0"/>
               <a:t>]</a:t>
             </a:r>
+            <a:endParaRPr lang="en-US" dirty="0"/>
           </a:p>
         </p:txBody>
       </p:sp>
@@ -5739,6 +5836,21 @@
   <p:clrMapOvr>
     <a:masterClrMapping/>
   </p:clrMapOvr>
+  <mc:AlternateContent xmlns:mc="http://schemas.openxmlformats.org/markup-compatibility/2006">
+    <mc:Choice xmlns:p14="http://schemas.microsoft.com/office/powerpoint/2010/main" Requires="p14">
+      <p:transition spd="slow" p14:dur="2000"/>
+    </mc:Choice>
+    <mc:Fallback>
+      <p:transition spd="slow"/>
+    </mc:Fallback>
+  </mc:AlternateContent>
+  <p:timing>
+    <p:tnLst>
+      <p:par>
+        <p:cTn id="1" dur="indefinite" restart="never" nodeType="tmRoot"/>
+      </p:par>
+    </p:tnLst>
+  </p:timing>
 </p:sld>
 </file>
 
@@ -5775,9 +5887,10 @@
           <a:lstStyle/>
           <a:p>
             <a:r>
-              <a:rPr lang="en-US" dirty="0"/>
+              <a:rPr lang="en-US" dirty="0" smtClean="0"/>
               <a:t>Example</a:t>
             </a:r>
+            <a:endParaRPr lang="en-US" dirty="0"/>
           </a:p>
         </p:txBody>
       </p:sp>
@@ -5804,7 +5917,7 @@
           <a:lstStyle/>
           <a:p>
             <a:r>
-              <a:rPr lang="en-US" sz="3200" dirty="0"/>
+              <a:rPr lang="en-US" sz="3200" dirty="0" smtClean="0"/>
               <a:t>Without a hidden layer</a:t>
             </a:r>
           </a:p>
@@ -5813,7 +5926,7 @@
           </a:p>
           <a:p>
             <a:r>
-              <a:rPr lang="en-US" sz="3200" dirty="0"/>
+              <a:rPr lang="en-US" sz="3200" dirty="0" smtClean="0"/>
               <a:t>With a hidden layer</a:t>
             </a:r>
           </a:p>
@@ -5821,12 +5934,12 @@
             <a:endParaRPr lang="en-US" sz="3200" dirty="0"/>
           </a:p>
           <a:p>
-            <a:endParaRPr lang="en-US" sz="3200" dirty="0"/>
+            <a:endParaRPr lang="en-US" sz="3200" dirty="0" smtClean="0"/>
           </a:p>
         </p:txBody>
       </p:sp>
-      <mc:AlternateContent xmlns:mc="http://schemas.openxmlformats.org/markup-compatibility/2006" xmlns:a14="http://schemas.microsoft.com/office/drawing/2010/main">
-        <mc:Choice Requires="a14">
+      <mc:AlternateContent xmlns:mc="http://schemas.openxmlformats.org/markup-compatibility/2006">
+        <mc:Choice xmlns:a14="http://schemas.microsoft.com/office/drawing/2010/main" Requires="a14">
           <p:sp>
             <p:nvSpPr>
               <p:cNvPr id="5" name="Rectangle 4"/>
@@ -5978,7 +6091,7 @@
             </p:txBody>
           </p:sp>
         </mc:Choice>
-        <mc:Fallback xmlns="">
+        <mc:Fallback>
           <p:sp>
             <p:nvSpPr>
               <p:cNvPr id="5" name="Rectangle 4"/>
@@ -6017,8 +6130,8 @@
           </p:sp>
         </mc:Fallback>
       </mc:AlternateContent>
-      <mc:AlternateContent xmlns:mc="http://schemas.openxmlformats.org/markup-compatibility/2006" xmlns:a14="http://schemas.microsoft.com/office/drawing/2010/main">
-        <mc:Choice Requires="a14">
+      <mc:AlternateContent xmlns:mc="http://schemas.openxmlformats.org/markup-compatibility/2006">
+        <mc:Choice xmlns:a14="http://schemas.microsoft.com/office/drawing/2010/main" Requires="a14">
           <p:sp>
             <p:nvSpPr>
               <p:cNvPr id="6" name="Rectangle 5"/>
@@ -6040,6 +6153,7 @@
               </a:bodyPr>
               <a:lstStyle/>
               <a:p>
+                <a:pPr/>
                 <a14:m>
                   <m:oMath xmlns:m="http://schemas.openxmlformats.org/officeDocument/2006/math">
                     <m:r>
@@ -6167,14 +6281,15 @@
                   </m:oMath>
                 </a14:m>
                 <a:r>
-                  <a:rPr lang="en-US" sz="2400" dirty="0"/>
+                  <a:rPr lang="en-US" sz="2400" dirty="0" smtClean="0"/>
                   <a:t>)</a:t>
                 </a:r>
+                <a:endParaRPr lang="en-US" sz="2400" dirty="0"/>
               </a:p>
             </p:txBody>
           </p:sp>
         </mc:Choice>
-        <mc:Fallback xmlns="">
+        <mc:Fallback>
           <p:sp>
             <p:nvSpPr>
               <p:cNvPr id="6" name="Rectangle 5"/>
@@ -6260,17 +6375,18 @@
           <a:lstStyle/>
           <a:p>
             <a:r>
-              <a:rPr lang="en-US" dirty="0"/>
+              <a:rPr lang="en-US" dirty="0" smtClean="0"/>
               <a:t>[Greg </a:t>
             </a:r>
             <a:r>
-              <a:rPr lang="en-US" dirty="0" err="1"/>
+              <a:rPr lang="en-US" dirty="0" err="1" smtClean="0"/>
               <a:t>Durrett</a:t>
             </a:r>
             <a:r>
-              <a:rPr lang="en-US" dirty="0"/>
+              <a:rPr lang="en-US" dirty="0" smtClean="0"/>
               <a:t>]</a:t>
             </a:r>
+            <a:endParaRPr lang="en-US" dirty="0"/>
           </a:p>
         </p:txBody>
       </p:sp>
@@ -6284,6 +6400,13 @@
   <p:clrMapOvr>
     <a:masterClrMapping/>
   </p:clrMapOvr>
+  <p:timing>
+    <p:tnLst>
+      <p:par>
+        <p:cTn id="1" dur="indefinite" restart="never" nodeType="tmRoot"/>
+      </p:par>
+    </p:tnLst>
+  </p:timing>
 </p:sld>
 </file>
 
@@ -6325,9 +6448,10 @@
           <a:lstStyle/>
           <a:p>
             <a:r>
-              <a:rPr lang="en-US" dirty="0"/>
+              <a:rPr lang="en-US" dirty="0" smtClean="0"/>
               <a:t>Gradient Descent vs. Backpropagation</a:t>
             </a:r>
+            <a:endParaRPr lang="en-US" dirty="0"/>
           </a:p>
         </p:txBody>
       </p:sp>
@@ -6347,13 +6471,13 @@
           <a:lstStyle/>
           <a:p>
             <a:r>
-              <a:rPr lang="en-US" dirty="0"/>
+              <a:rPr lang="en-US" dirty="0" smtClean="0"/>
               <a:t>Backpropagation is an efficient way to compute gradients in a computational graph</a:t>
             </a:r>
           </a:p>
           <a:p>
             <a:r>
-              <a:rPr lang="en-US" dirty="0"/>
+              <a:rPr lang="en-US" dirty="0" smtClean="0"/>
               <a:t>It is based on the chain rule for derivatives/gradients</a:t>
             </a:r>
           </a:p>
@@ -6372,6 +6496,13 @@
   <p:clrMapOvr>
     <a:masterClrMapping/>
   </p:clrMapOvr>
+  <p:timing>
+    <p:tnLst>
+      <p:par>
+        <p:cTn id="1" dur="indefinite" restart="never" nodeType="tmRoot"/>
+      </p:par>
+    </p:tnLst>
+  </p:timing>
 </p:sld>
 </file>
 
@@ -6408,9 +6539,10 @@
           <a:lstStyle/>
           <a:p>
             <a:r>
-              <a:rPr lang="en-US" dirty="0"/>
+              <a:rPr lang="en-US" dirty="0" smtClean="0"/>
               <a:t>Classification Example</a:t>
             </a:r>
+            <a:endParaRPr lang="en-US" dirty="0"/>
           </a:p>
         </p:txBody>
       </p:sp>
@@ -6461,17 +6593,18 @@
           <a:lstStyle/>
           <a:p>
             <a:r>
-              <a:rPr lang="en-US" dirty="0"/>
+              <a:rPr lang="en-US" dirty="0" smtClean="0"/>
               <a:t>[Greg </a:t>
             </a:r>
             <a:r>
-              <a:rPr lang="en-US" dirty="0" err="1"/>
+              <a:rPr lang="en-US" dirty="0" err="1" smtClean="0"/>
               <a:t>Durrett</a:t>
             </a:r>
             <a:r>
-              <a:rPr lang="en-US" dirty="0"/>
+              <a:rPr lang="en-US" dirty="0" smtClean="0"/>
               <a:t>]</a:t>
             </a:r>
+            <a:endParaRPr lang="en-US" dirty="0"/>
           </a:p>
         </p:txBody>
       </p:sp>
@@ -6485,6 +6618,13 @@
   <p:clrMapOvr>
     <a:masterClrMapping/>
   </p:clrMapOvr>
+  <p:timing>
+    <p:tnLst>
+      <p:par>
+        <p:cTn id="1" dur="indefinite" restart="never" nodeType="tmRoot"/>
+      </p:par>
+    </p:tnLst>
+  </p:timing>
 </p:sld>
 </file>
 
@@ -6521,9 +6661,10 @@
           <a:lstStyle/>
           <a:p>
             <a:r>
-              <a:rPr lang="en-US" dirty="0"/>
+              <a:rPr lang="en-US" dirty="0" smtClean="0"/>
               <a:t>Useful Derivatives (1)</a:t>
             </a:r>
+            <a:endParaRPr lang="en-US" dirty="0"/>
           </a:p>
         </p:txBody>
       </p:sp>
@@ -6561,6 +6702,13 @@
   <p:clrMapOvr>
     <a:masterClrMapping/>
   </p:clrMapOvr>
+  <p:timing>
+    <p:tnLst>
+      <p:par>
+        <p:cTn id="1" dur="indefinite" restart="never" nodeType="tmRoot"/>
+      </p:par>
+    </p:tnLst>
+  </p:timing>
 </p:sld>
 </file>
 
@@ -6605,9 +6753,10 @@
           <a:lstStyle/>
           <a:p>
             <a:r>
-              <a:rPr lang="en-US" dirty="0"/>
+              <a:rPr lang="en-US" dirty="0" smtClean="0"/>
               <a:t>Useful Derivatives (2)</a:t>
             </a:r>
+            <a:endParaRPr lang="en-US" dirty="0"/>
           </a:p>
         </p:txBody>
       </p:sp>
@@ -6722,9 +6871,10 @@
           <a:lstStyle/>
           <a:p>
             <a:r>
-              <a:rPr lang="en-US" dirty="0"/>
+              <a:rPr lang="en-US" dirty="0" smtClean="0"/>
               <a:t>Two negatives cancel out</a:t>
             </a:r>
+            <a:endParaRPr lang="en-US" dirty="0"/>
           </a:p>
         </p:txBody>
       </p:sp>
@@ -6738,6 +6888,13 @@
   <p:clrMapOvr>
     <a:masterClrMapping/>
   </p:clrMapOvr>
+  <p:timing>
+    <p:tnLst>
+      <p:par>
+        <p:cTn id="1" dur="indefinite" restart="never" nodeType="tmRoot"/>
+      </p:par>
+    </p:tnLst>
+  </p:timing>
 </p:sld>
 </file>
 
@@ -6782,9 +6939,10 @@
           <a:lstStyle/>
           <a:p>
             <a:r>
-              <a:rPr lang="en-US" dirty="0"/>
+              <a:rPr lang="en-US" dirty="0" smtClean="0"/>
               <a:t>Introduction to NLP</a:t>
             </a:r>
+            <a:endParaRPr lang="en-US" dirty="0"/>
           </a:p>
         </p:txBody>
       </p:sp>
@@ -6804,15 +6962,16 @@
           <a:lstStyle/>
           <a:p>
             <a:r>
-              <a:rPr lang="en-US" dirty="0"/>
+              <a:rPr lang="en-US" dirty="0" smtClean="0"/>
               <a:t>Training Neural Networks</a:t>
             </a:r>
           </a:p>
           <a:p>
             <a:r>
-              <a:rPr lang="en-US" dirty="0"/>
+              <a:rPr lang="en-US" dirty="0" smtClean="0"/>
               <a:t>Backpropagation</a:t>
             </a:r>
+            <a:endParaRPr lang="en-US" dirty="0"/>
           </a:p>
         </p:txBody>
       </p:sp>
@@ -6826,6 +6985,13 @@
   <p:clrMapOvr>
     <a:masterClrMapping/>
   </p:clrMapOvr>
+  <p:timing>
+    <p:tnLst>
+      <p:par>
+        <p:cTn id="1" dur="indefinite" restart="never" nodeType="tmRoot"/>
+      </p:par>
+    </p:tnLst>
+  </p:timing>
 </p:sld>
 </file>
 
@@ -6870,9 +7036,10 @@
           <a:lstStyle/>
           <a:p>
             <a:r>
-              <a:rPr lang="en-US" dirty="0"/>
+              <a:rPr lang="en-US" dirty="0" smtClean="0"/>
               <a:t>Useful Derivatives (3)</a:t>
             </a:r>
+            <a:endParaRPr lang="en-US" dirty="0"/>
           </a:p>
         </p:txBody>
       </p:sp>
@@ -6974,6 +7141,13 @@
   <p:clrMapOvr>
     <a:masterClrMapping/>
   </p:clrMapOvr>
+  <p:timing>
+    <p:tnLst>
+      <p:par>
+        <p:cTn id="1" dur="indefinite" restart="never" nodeType="tmRoot"/>
+      </p:par>
+    </p:tnLst>
+  </p:timing>
 </p:sld>
 </file>
 
@@ -7023,7 +7197,7 @@
           <a:lstStyle/>
           <a:p>
             <a:r>
-              <a:rPr lang="bg-BG" dirty="0"/>
+              <a:rPr lang="bg-BG" dirty="0" smtClean="0"/>
               <a:t>Computational Graphs</a:t>
             </a:r>
             <a:endParaRPr lang="en-US" dirty="0"/>
@@ -7103,6 +7277,13 @@
   <p:clrMapOvr>
     <a:masterClrMapping/>
   </p:clrMapOvr>
+  <p:timing>
+    <p:tnLst>
+      <p:par>
+        <p:cTn id="1" dur="indefinite" restart="never" nodeType="tmRoot"/>
+      </p:par>
+    </p:tnLst>
+  </p:timing>
 </p:sld>
 </file>
 
@@ -7165,6 +7346,13 @@
   <p:clrMapOvr>
     <a:masterClrMapping/>
   </p:clrMapOvr>
+  <p:timing>
+    <p:tnLst>
+      <p:par>
+        <p:cTn id="1" dur="indefinite" restart="never" nodeType="tmRoot"/>
+      </p:par>
+    </p:tnLst>
+  </p:timing>
 </p:sld>
 </file>
 
@@ -7209,9 +7397,10 @@
           <a:lstStyle/>
           <a:p>
             <a:r>
-              <a:rPr lang="en-US" dirty="0"/>
+              <a:rPr lang="en-US" dirty="0" smtClean="0"/>
               <a:t>Example</a:t>
             </a:r>
+            <a:endParaRPr lang="en-US" dirty="0"/>
           </a:p>
         </p:txBody>
       </p:sp>
@@ -7268,11 +7457,11 @@
           <a:lstStyle/>
           <a:p>
             <a:r>
-              <a:rPr lang="en-US" dirty="0"/>
+              <a:rPr lang="en-US" dirty="0" smtClean="0"/>
               <a:t>[Chris </a:t>
             </a:r>
             <a:r>
-              <a:rPr lang="en-US" dirty="0" err="1"/>
+              <a:rPr lang="en-US" dirty="0" err="1" smtClean="0"/>
               <a:t>Olah</a:t>
             </a:r>
             <a:r>
@@ -7316,6 +7505,13 @@
   <p:clrMapOvr>
     <a:masterClrMapping/>
   </p:clrMapOvr>
+  <p:timing>
+    <p:tnLst>
+      <p:par>
+        <p:cTn id="1" dur="indefinite" restart="never" nodeType="tmRoot"/>
+      </p:par>
+    </p:tnLst>
+  </p:timing>
 </p:sld>
 </file>
 
@@ -7378,6 +7574,13 @@
   <p:clrMapOvr>
     <a:masterClrMapping/>
   </p:clrMapOvr>
+  <p:timing>
+    <p:tnLst>
+      <p:par>
+        <p:cTn id="1" dur="indefinite" restart="never" nodeType="tmRoot"/>
+      </p:par>
+    </p:tnLst>
+  </p:timing>
 </p:sld>
 </file>
 
@@ -7440,6 +7643,13 @@
   <p:clrMapOvr>
     <a:masterClrMapping/>
   </p:clrMapOvr>
+  <p:timing>
+    <p:tnLst>
+      <p:par>
+        <p:cTn id="1" dur="indefinite" restart="never" nodeType="tmRoot"/>
+      </p:par>
+    </p:tnLst>
+  </p:timing>
 </p:sld>
 </file>
 
@@ -7502,6 +7712,13 @@
   <p:clrMapOvr>
     <a:masterClrMapping/>
   </p:clrMapOvr>
+  <p:timing>
+    <p:tnLst>
+      <p:par>
+        <p:cTn id="1" dur="indefinite" restart="never" nodeType="tmRoot"/>
+      </p:par>
+    </p:tnLst>
+  </p:timing>
 </p:sld>
 </file>
 
@@ -7564,6 +7781,13 @@
   <p:clrMapOvr>
     <a:masterClrMapping/>
   </p:clrMapOvr>
+  <p:timing>
+    <p:tnLst>
+      <p:par>
+        <p:cTn id="1" dur="indefinite" restart="never" nodeType="tmRoot"/>
+      </p:par>
+    </p:tnLst>
+  </p:timing>
 </p:sld>
 </file>
 
@@ -7626,6 +7850,13 @@
   <p:clrMapOvr>
     <a:masterClrMapping/>
   </p:clrMapOvr>
+  <p:timing>
+    <p:tnLst>
+      <p:par>
+        <p:cTn id="1" dur="indefinite" restart="never" nodeType="tmRoot"/>
+      </p:par>
+    </p:tnLst>
+  </p:timing>
 </p:sld>
 </file>
 
@@ -7756,6 +7987,13 @@
   <p:clrMapOvr>
     <a:masterClrMapping/>
   </p:clrMapOvr>
+  <p:timing>
+    <p:tnLst>
+      <p:par>
+        <p:cTn id="1" dur="indefinite" restart="never" nodeType="tmRoot"/>
+      </p:par>
+    </p:tnLst>
+  </p:timing>
 </p:sld>
 </file>
 
@@ -8262,6 +8500,13 @@
   <p:clrMapOvr>
     <a:masterClrMapping/>
   </p:clrMapOvr>
+  <p:timing>
+    <p:tnLst>
+      <p:par>
+        <p:cTn id="1" dur="indefinite" restart="never" nodeType="tmRoot"/>
+      </p:par>
+    </p:tnLst>
+  </p:timing>
 </p:sld>
 </file>
 
@@ -8324,6 +8569,13 @@
   <p:clrMapOvr>
     <a:masterClrMapping/>
   </p:clrMapOvr>
+  <p:timing>
+    <p:tnLst>
+      <p:par>
+        <p:cTn id="1" dur="indefinite" restart="never" nodeType="tmRoot"/>
+      </p:par>
+    </p:tnLst>
+  </p:timing>
 </p:sld>
 </file>
 
@@ -8376,11 +8628,18 @@
           </a:p>
           <a:p>
             <a:r>
-              <a:rPr lang="en-US" sz="1600" dirty="0">
-                <a:latin typeface="Courier New" panose="02070309020205020404" pitchFamily="49" charset="0"/>
-                <a:cs typeface="Courier New" panose="02070309020205020404" pitchFamily="49" charset="0"/>
-              </a:rPr>
-              <a:t># Placed in the public domain.</a:t>
+              <a:rPr lang="en-US" sz="1600" dirty="0" smtClean="0">
+                <a:latin typeface="Courier New" panose="02070309020205020404" pitchFamily="49" charset="0"/>
+                <a:cs typeface="Courier New" panose="02070309020205020404" pitchFamily="49" charset="0"/>
+              </a:rPr>
+              <a:t># </a:t>
+            </a:r>
+            <a:r>
+              <a:rPr lang="en-US" sz="1600" dirty="0">
+                <a:latin typeface="Courier New" panose="02070309020205020404" pitchFamily="49" charset="0"/>
+                <a:cs typeface="Courier New" panose="02070309020205020404" pitchFamily="49" charset="0"/>
+              </a:rPr>
+              <a:t>Placed in the public domain.</a:t>
             </a:r>
           </a:p>
           <a:p>
@@ -8635,7 +8894,14 @@
                 <a:latin typeface="Courier New" panose="02070309020205020404" pitchFamily="49" charset="0"/>
                 <a:cs typeface="Courier New" panose="02070309020205020404" pitchFamily="49" charset="0"/>
               </a:rPr>
-              <a:t>    return m</a:t>
+              <a:t>    return </a:t>
+            </a:r>
+            <a:r>
+              <a:rPr lang="en-US" sz="1600" dirty="0" smtClean="0">
+                <a:latin typeface="Courier New" panose="02070309020205020404" pitchFamily="49" charset="0"/>
+                <a:cs typeface="Courier New" panose="02070309020205020404" pitchFamily="49" charset="0"/>
+              </a:rPr>
+              <a:t>m</a:t>
             </a:r>
           </a:p>
           <a:p>
@@ -8820,6 +9086,13 @@
   <p:clrMapOvr>
     <a:masterClrMapping/>
   </p:clrMapOvr>
+  <p:timing>
+    <p:tnLst>
+      <p:par>
+        <p:cTn id="1" dur="indefinite" restart="never" nodeType="tmRoot"/>
+      </p:par>
+    </p:tnLst>
+  </p:timing>
 </p:sld>
 </file>
 
@@ -9465,6 +9738,13 @@
   <p:clrMapOvr>
     <a:masterClrMapping/>
   </p:clrMapOvr>
+  <p:timing>
+    <p:tnLst>
+      <p:par>
+        <p:cTn id="1" dur="indefinite" restart="never" nodeType="tmRoot"/>
+      </p:par>
+    </p:tnLst>
+  </p:timing>
 </p:sld>
 </file>
 
@@ -9509,9 +9789,10 @@
           <a:lstStyle/>
           <a:p>
             <a:r>
-              <a:rPr lang="en-US" dirty="0"/>
+              <a:rPr lang="en-US" dirty="0" smtClean="0"/>
               <a:t>Quick Math Review</a:t>
             </a:r>
+            <a:endParaRPr lang="en-US" dirty="0"/>
           </a:p>
         </p:txBody>
       </p:sp>
@@ -9553,9 +9834,10 @@
           <a:p>
             <a:pPr algn="ctr"/>
             <a:r>
-              <a:rPr lang="en-US" sz="3200" dirty="0"/>
+              <a:rPr lang="en-US" sz="3200" dirty="0" smtClean="0"/>
               <a:t>3</a:t>
             </a:r>
+            <a:endParaRPr lang="en-US" sz="3200" dirty="0"/>
           </a:p>
         </p:txBody>
       </p:sp>
@@ -9984,9 +10266,10 @@
             <a:p>
               <a:pPr algn="ctr"/>
               <a:r>
-                <a:rPr lang="en-US" sz="3200" dirty="0"/>
+                <a:rPr lang="en-US" sz="3200" dirty="0" smtClean="0"/>
                 <a:t>2</a:t>
               </a:r>
+              <a:endParaRPr lang="en-US" sz="3200" dirty="0"/>
             </a:p>
           </p:txBody>
         </p:sp>
@@ -10163,9 +10446,10 @@
             <a:p>
               <a:pPr algn="ctr"/>
               <a:r>
-                <a:rPr lang="en-US" sz="3200" dirty="0"/>
+                <a:rPr lang="en-US" sz="3200" dirty="0" smtClean="0"/>
                 <a:t>y</a:t>
               </a:r>
+              <a:endParaRPr lang="en-US" sz="3200" dirty="0"/>
             </a:p>
           </p:txBody>
         </p:sp>
@@ -10234,11 +10518,14 @@
           <a:lstStyle/>
           <a:p>
             <a:r>
-              <a:rPr lang="en-US" sz="3600" dirty="0">
+              <a:rPr lang="en-US" sz="3600" dirty="0" smtClean="0">
                 <a:latin typeface="Lucida Grande"/>
               </a:rPr>
               <a:t>This equation</a:t>
             </a:r>
+            <a:endParaRPr lang="en-US" sz="3600" dirty="0">
+              <a:latin typeface="Lucida Grande"/>
+            </a:endParaRPr>
           </a:p>
         </p:txBody>
       </p:sp>
@@ -10395,23 +10682,26 @@
           <a:lstStyle/>
           <a:p>
             <a:r>
-              <a:rPr lang="en-US" sz="3600" dirty="0">
+              <a:rPr lang="en-US" sz="3600" dirty="0" smtClean="0">
                 <a:latin typeface="Lucida Grande"/>
               </a:rPr>
               <a:t>can be written as a dot product of two </a:t>
             </a:r>
             <a:r>
-              <a:rPr lang="en-US" sz="3600" i="1" dirty="0">
+              <a:rPr lang="en-US" sz="3600" i="1" dirty="0" smtClean="0">
                 <a:latin typeface="Lucida Grande"/>
               </a:rPr>
               <a:t>vectors</a:t>
             </a:r>
             <a:r>
-              <a:rPr lang="en-US" sz="3600" dirty="0">
+              <a:rPr lang="en-US" sz="3600" dirty="0" smtClean="0">
                 <a:latin typeface="Lucida Grande"/>
               </a:rPr>
               <a:t>: </a:t>
             </a:r>
+            <a:endParaRPr lang="en-US" sz="3600" dirty="0">
+              <a:latin typeface="Lucida Grande"/>
+            </a:endParaRPr>
           </a:p>
         </p:txBody>
       </p:sp>
@@ -10453,9 +10743,10 @@
           <a:p>
             <a:pPr algn="ctr"/>
             <a:r>
-              <a:rPr lang="en-US" sz="3200" dirty="0"/>
+              <a:rPr lang="en-US" sz="3200" dirty="0" smtClean="0"/>
               <a:t>3</a:t>
             </a:r>
+            <a:endParaRPr lang="en-US" sz="3200" dirty="0"/>
           </a:p>
         </p:txBody>
       </p:sp>
@@ -10689,6 +10980,14 @@
   <p:clrMapOvr>
     <a:masterClrMapping/>
   </p:clrMapOvr>
+  <mc:AlternateContent xmlns:mc="http://schemas.openxmlformats.org/markup-compatibility/2006" xmlns:p14="http://schemas.microsoft.com/office/powerpoint/2010/main">
+    <mc:Choice Requires="p14">
+      <p:transition spd="slow" p14:dur="2000"/>
+    </mc:Choice>
+    <mc:Fallback xmlns="">
+      <p:transition spd="slow"/>
+    </mc:Fallback>
+  </mc:AlternateContent>
   <p:timing>
     <p:tnLst>
       <p:par>
@@ -11763,6 +12062,13 @@
   <p:clrMapOvr>
     <a:masterClrMapping/>
   </p:clrMapOvr>
+  <p:timing>
+    <p:tnLst>
+      <p:par>
+        <p:cTn id="1" dur="indefinite" restart="never" nodeType="tmRoot"/>
+      </p:par>
+    </p:tnLst>
+  </p:timing>
 </p:sld>
 </file>
 
@@ -12170,6 +12476,13 @@
   <p:clrMapOvr>
     <a:masterClrMapping/>
   </p:clrMapOvr>
+  <p:timing>
+    <p:tnLst>
+      <p:par>
+        <p:cTn id="1" dur="indefinite" restart="never" nodeType="tmRoot"/>
+      </p:par>
+    </p:tnLst>
+  </p:timing>
 </p:sld>
 </file>
 
@@ -12621,6 +12934,13 @@
   <p:clrMapOvr>
     <a:masterClrMapping/>
   </p:clrMapOvr>
+  <p:timing>
+    <p:tnLst>
+      <p:par>
+        <p:cTn id="1" dur="indefinite" restart="never" nodeType="tmRoot"/>
+      </p:par>
+    </p:tnLst>
+  </p:timing>
 </p:sld>
 </file>
 
@@ -13075,6 +13395,13 @@
   <p:clrMapOvr>
     <a:masterClrMapping/>
   </p:clrMapOvr>
+  <p:timing>
+    <p:tnLst>
+      <p:par>
+        <p:cTn id="1" dur="indefinite" restart="never" nodeType="tmRoot"/>
+      </p:par>
+    </p:tnLst>
+  </p:timing>
 </p:sld>
 </file>
 
@@ -13444,18 +13771,25 @@
             </a:r>
           </a:p>
           <a:p>
-            <a:endParaRPr lang="en-US" sz="1600" dirty="0">
+            <a:endParaRPr lang="en-US" sz="1600" dirty="0" smtClean="0">
               <a:latin typeface="Courier New" panose="02070309020205020404" pitchFamily="49" charset="0"/>
               <a:cs typeface="Courier New" panose="02070309020205020404" pitchFamily="49" charset="0"/>
             </a:endParaRPr>
           </a:p>
           <a:p>
             <a:r>
-              <a:rPr lang="en-US" sz="1600" dirty="0">
-                <a:latin typeface="Courier New" panose="02070309020205020404" pitchFamily="49" charset="0"/>
-                <a:cs typeface="Courier New" panose="02070309020205020404" pitchFamily="49" charset="0"/>
-              </a:rPr>
-              <a:t>if __name__ == '__main__':</a:t>
+              <a:rPr lang="en-US" sz="1600" dirty="0" smtClean="0">
+                <a:latin typeface="Courier New" panose="02070309020205020404" pitchFamily="49" charset="0"/>
+                <a:cs typeface="Courier New" panose="02070309020205020404" pitchFamily="49" charset="0"/>
+              </a:rPr>
+              <a:t>if </a:t>
+            </a:r>
+            <a:r>
+              <a:rPr lang="en-US" sz="1600" dirty="0">
+                <a:latin typeface="Courier New" panose="02070309020205020404" pitchFamily="49" charset="0"/>
+                <a:cs typeface="Courier New" panose="02070309020205020404" pitchFamily="49" charset="0"/>
+              </a:rPr>
+              <a:t>__name__ == '__main__':</a:t>
             </a:r>
           </a:p>
           <a:p>
@@ -13479,6 +13813,13 @@
   <p:clrMapOvr>
     <a:masterClrMapping/>
   </p:clrMapOvr>
+  <p:timing>
+    <p:tnLst>
+      <p:par>
+        <p:cTn id="1" dur="indefinite" restart="never" nodeType="tmRoot"/>
+      </p:par>
+    </p:tnLst>
+  </p:timing>
 </p:sld>
 </file>
 
@@ -13751,6 +14092,13 @@
   <p:clrMapOvr>
     <a:masterClrMapping/>
   </p:clrMapOvr>
+  <p:timing>
+    <p:tnLst>
+      <p:par>
+        <p:cTn id="1" dur="indefinite" restart="never" nodeType="tmRoot"/>
+      </p:par>
+    </p:tnLst>
+  </p:timing>
 </p:sld>
 </file>
 
@@ -13787,9 +14135,10 @@
           <a:lstStyle/>
           <a:p>
             <a:r>
-              <a:rPr lang="en-US" dirty="0"/>
+              <a:rPr lang="en-US" dirty="0" smtClean="0"/>
               <a:t>Realistic Neural Network</a:t>
             </a:r>
+            <a:endParaRPr lang="en-US" dirty="0"/>
           </a:p>
         </p:txBody>
       </p:sp>
@@ -13840,25 +14189,26 @@
           <a:lstStyle/>
           <a:p>
             <a:r>
-              <a:rPr lang="en-US" dirty="0"/>
+              <a:rPr lang="en-US" dirty="0" smtClean="0"/>
               <a:t>[</a:t>
             </a:r>
             <a:r>
-              <a:rPr lang="en-US" dirty="0" err="1"/>
+              <a:rPr lang="en-US" dirty="0" err="1" smtClean="0"/>
               <a:t>AlexNet</a:t>
             </a:r>
             <a:r>
-              <a:rPr lang="en-US" dirty="0"/>
+              <a:rPr lang="en-US" dirty="0" smtClean="0"/>
               <a:t> – </a:t>
             </a:r>
             <a:r>
-              <a:rPr lang="en-US" dirty="0" err="1"/>
+              <a:rPr lang="en-US" dirty="0" err="1" smtClean="0"/>
               <a:t>Krizhevsky</a:t>
             </a:r>
             <a:r>
-              <a:rPr lang="en-US" dirty="0"/>
+              <a:rPr lang="en-US" dirty="0" smtClean="0"/>
               <a:t> et al. 2011</a:t>
             </a:r>
+            <a:endParaRPr lang="en-US" dirty="0"/>
           </a:p>
         </p:txBody>
       </p:sp>
@@ -13872,6 +14222,13 @@
   <p:clrMapOvr>
     <a:masterClrMapping/>
   </p:clrMapOvr>
+  <p:timing>
+    <p:tnLst>
+      <p:par>
+        <p:cTn id="1" dur="indefinite" restart="never" nodeType="tmRoot"/>
+      </p:par>
+    </p:tnLst>
+  </p:timing>
 </p:sld>
 </file>
 
@@ -13908,9 +14265,10 @@
           <a:lstStyle/>
           <a:p>
             <a:r>
-              <a:rPr lang="en-US" dirty="0"/>
+              <a:rPr lang="en-US" dirty="0" smtClean="0"/>
               <a:t>Ideas</a:t>
             </a:r>
+            <a:endParaRPr lang="en-US" dirty="0"/>
           </a:p>
         </p:txBody>
       </p:sp>
@@ -13930,21 +14288,22 @@
           <a:lstStyle/>
           <a:p>
             <a:r>
-              <a:rPr lang="en-US" dirty="0"/>
+              <a:rPr lang="en-US" dirty="0" smtClean="0"/>
               <a:t>Dynamic Programming for keeping track of intermediate results</a:t>
             </a:r>
           </a:p>
           <a:p>
             <a:r>
-              <a:rPr lang="en-US" dirty="0"/>
+              <a:rPr lang="en-US" dirty="0" smtClean="0"/>
               <a:t>Regularization</a:t>
             </a:r>
           </a:p>
           <a:p>
             <a:r>
-              <a:rPr lang="en-US" dirty="0"/>
+              <a:rPr lang="en-US" dirty="0" smtClean="0"/>
               <a:t>Dropout</a:t>
             </a:r>
+            <a:endParaRPr lang="en-US" dirty="0"/>
           </a:p>
         </p:txBody>
       </p:sp>
@@ -13958,6 +14317,13 @@
   <p:clrMapOvr>
     <a:masterClrMapping/>
   </p:clrMapOvr>
+  <p:timing>
+    <p:tnLst>
+      <p:par>
+        <p:cTn id="1" dur="indefinite" restart="never" nodeType="tmRoot"/>
+      </p:par>
+    </p:tnLst>
+  </p:timing>
 </p:sld>
 </file>
 
@@ -13994,17 +14360,18 @@
           <a:lstStyle/>
           <a:p>
             <a:r>
-              <a:rPr lang="en-US" dirty="0"/>
+              <a:rPr lang="en-US" dirty="0" smtClean="0"/>
               <a:t>Stochastic Gradient </a:t>
             </a:r>
             <a:r>
-              <a:rPr lang="bg-BG" dirty="0"/>
+              <a:rPr lang="bg-BG" dirty="0" smtClean="0"/>
               <a:t>De</a:t>
             </a:r>
             <a:r>
-              <a:rPr lang="en-US" dirty="0"/>
+              <a:rPr lang="en-US" dirty="0" smtClean="0"/>
               <a:t>scent</a:t>
             </a:r>
+            <a:endParaRPr lang="en-US" dirty="0"/>
           </a:p>
         </p:txBody>
       </p:sp>
@@ -14031,70 +14398,70 @@
           <a:lstStyle/>
           <a:p>
             <a:r>
-              <a:rPr lang="en-US" dirty="0"/>
+              <a:rPr lang="en-US" dirty="0" smtClean="0"/>
               <a:t>Batch mode</a:t>
             </a:r>
           </a:p>
           <a:p>
             <a:pPr lvl="1"/>
             <a:r>
-              <a:rPr lang="en-US" dirty="0"/>
+              <a:rPr lang="en-US" dirty="0" smtClean="0"/>
               <a:t>Consider each data point for each update of </a:t>
             </a:r>
             <a:r>
-              <a:rPr lang="en-US" i="1" dirty="0"/>
+              <a:rPr lang="en-US" i="1" dirty="0" smtClean="0"/>
               <a:t>w</a:t>
             </a:r>
           </a:p>
           <a:p>
             <a:pPr lvl="1"/>
             <a:r>
-              <a:rPr lang="en-US" dirty="0"/>
+              <a:rPr lang="en-US" dirty="0" smtClean="0"/>
               <a:t>This is slow</a:t>
             </a:r>
           </a:p>
           <a:p>
             <a:r>
-              <a:rPr lang="en-US" dirty="0"/>
+              <a:rPr lang="en-US" dirty="0" smtClean="0"/>
               <a:t>Stochastic mode</a:t>
             </a:r>
           </a:p>
           <a:p>
             <a:pPr lvl="1"/>
             <a:r>
-              <a:rPr lang="en-US" dirty="0"/>
+              <a:rPr lang="en-US" dirty="0" smtClean="0"/>
               <a:t>Update </a:t>
             </a:r>
             <a:r>
-              <a:rPr lang="en-US" i="1" dirty="0"/>
+              <a:rPr lang="en-US" i="1" dirty="0" smtClean="0"/>
               <a:t>w</a:t>
             </a:r>
             <a:r>
-              <a:rPr lang="en-US" dirty="0"/>
+              <a:rPr lang="en-US" dirty="0" smtClean="0"/>
               <a:t> after each data point</a:t>
             </a:r>
           </a:p>
           <a:p>
             <a:pPr lvl="1"/>
             <a:r>
-              <a:rPr lang="en-US" dirty="0"/>
+              <a:rPr lang="en-US" dirty="0" smtClean="0"/>
               <a:t>Logistic regression stochastic update (p is between 0 and 1)</a:t>
             </a:r>
           </a:p>
           <a:p>
             <a:pPr lvl="1"/>
-            <a:endParaRPr lang="en-US" dirty="0"/>
+            <a:endParaRPr lang="en-US" dirty="0" smtClean="0"/>
           </a:p>
           <a:p>
             <a:pPr lvl="1"/>
             <a:r>
-              <a:rPr lang="en-US" dirty="0"/>
+              <a:rPr lang="en-US" dirty="0" smtClean="0"/>
               <a:t>Perceptron stochastic update (y is 0 or 1; approximation for LR)</a:t>
             </a:r>
           </a:p>
           <a:p>
             <a:pPr lvl="1"/>
-            <a:endParaRPr lang="en-US" dirty="0"/>
+            <a:endParaRPr lang="en-US" dirty="0" smtClean="0"/>
           </a:p>
         </p:txBody>
       </p:sp>
@@ -14489,6 +14856,21 @@
   <p:clrMapOvr>
     <a:masterClrMapping/>
   </p:clrMapOvr>
+  <mc:AlternateContent xmlns:mc="http://schemas.openxmlformats.org/markup-compatibility/2006">
+    <mc:Choice xmlns:p14="http://schemas.microsoft.com/office/powerpoint/2010/main" Requires="p14">
+      <p:transition spd="slow" p14:dur="2000"/>
+    </mc:Choice>
+    <mc:Fallback>
+      <p:transition spd="slow"/>
+    </mc:Fallback>
+  </mc:AlternateContent>
+  <p:timing>
+    <p:tnLst>
+      <p:par>
+        <p:cTn id="1" dur="indefinite" restart="never" nodeType="tmRoot"/>
+      </p:par>
+    </p:tnLst>
+  </p:timing>
 </p:sld>
 </file>
 
@@ -14525,9 +14907,10 @@
           <a:lstStyle/>
           <a:p>
             <a:r>
-              <a:rPr lang="en-US" dirty="0"/>
+              <a:rPr lang="en-US" dirty="0" smtClean="0"/>
               <a:t>Regularization</a:t>
             </a:r>
+            <a:endParaRPr lang="en-US" dirty="0"/>
           </a:p>
         </p:txBody>
       </p:sp>
@@ -14554,7 +14937,7 @@
           <a:lstStyle/>
           <a:p>
             <a:r>
-              <a:rPr lang="en-US" dirty="0"/>
+              <a:rPr lang="en-US" dirty="0" smtClean="0"/>
               <a:t>Penalize large weights (we don’t want weights of 500,000)</a:t>
             </a:r>
           </a:p>
@@ -14564,43 +14947,43 @@
               <a:t>L</a:t>
             </a:r>
             <a:r>
-              <a:rPr lang="en-US" baseline="-25000" dirty="0"/>
+              <a:rPr lang="en-US" baseline="-25000" dirty="0" smtClean="0"/>
               <a:t>2</a:t>
             </a:r>
             <a:r>
-              <a:rPr lang="en-US" dirty="0"/>
+              <a:rPr lang="en-US" dirty="0" smtClean="0"/>
               <a:t> </a:t>
             </a:r>
             <a:r>
-              <a:rPr lang="en-US" dirty="0" err="1"/>
+              <a:rPr lang="en-US" dirty="0" err="1" smtClean="0"/>
               <a:t>regularizer</a:t>
             </a:r>
+            <a:endParaRPr lang="en-US" dirty="0" smtClean="0"/>
+          </a:p>
+          <a:p>
             <a:endParaRPr lang="en-US" dirty="0"/>
           </a:p>
           <a:p>
-            <a:endParaRPr lang="en-US" dirty="0"/>
-          </a:p>
-          <a:p>
-            <a:endParaRPr lang="en-US" dirty="0"/>
-          </a:p>
-          <a:p>
-            <a:r>
-              <a:rPr lang="en-US" dirty="0"/>
+            <a:endParaRPr lang="en-US" dirty="0" smtClean="0"/>
+          </a:p>
+          <a:p>
+            <a:r>
+              <a:rPr lang="en-US" dirty="0" smtClean="0"/>
               <a:t>L</a:t>
             </a:r>
             <a:r>
-              <a:rPr lang="en-US" baseline="-25000" dirty="0"/>
+              <a:rPr lang="en-US" baseline="-25000" dirty="0" smtClean="0"/>
               <a:t>1</a:t>
             </a:r>
             <a:r>
-              <a:rPr lang="en-US" dirty="0"/>
+              <a:rPr lang="en-US" dirty="0" smtClean="0"/>
               <a:t> </a:t>
             </a:r>
             <a:r>
-              <a:rPr lang="en-US" dirty="0" err="1"/>
+              <a:rPr lang="en-US" dirty="0" err="1" smtClean="0"/>
               <a:t>regularizer</a:t>
             </a:r>
-            <a:endParaRPr lang="en-US" dirty="0"/>
+            <a:endParaRPr lang="en-US" dirty="0" smtClean="0"/>
           </a:p>
           <a:p>
             <a:pPr lvl="1"/>
@@ -14608,7 +14991,7 @@
           </a:p>
           <a:p>
             <a:pPr lvl="1"/>
-            <a:endParaRPr lang="en-US" dirty="0"/>
+            <a:endParaRPr lang="en-US" dirty="0" smtClean="0"/>
           </a:p>
           <a:p>
             <a:pPr lvl="1"/>
@@ -14616,7 +14999,7 @@
           </a:p>
           <a:p>
             <a:pPr lvl="1"/>
-            <a:endParaRPr lang="en-US" dirty="0"/>
+            <a:endParaRPr lang="en-US" dirty="0" smtClean="0"/>
           </a:p>
         </p:txBody>
       </p:sp>
@@ -15303,6 +15686,13 @@
   <p:clrMapOvr>
     <a:masterClrMapping/>
   </p:clrMapOvr>
+  <p:timing>
+    <p:tnLst>
+      <p:par>
+        <p:cTn id="1" dur="indefinite" restart="never" nodeType="tmRoot"/>
+      </p:par>
+    </p:tnLst>
+  </p:timing>
 </p:sld>
 </file>
 
@@ -15347,9 +15737,10 @@
           <a:lstStyle/>
           <a:p>
             <a:r>
-              <a:rPr lang="en-US" dirty="0"/>
+              <a:rPr lang="en-US" dirty="0" smtClean="0"/>
               <a:t>Linear Algebra</a:t>
             </a:r>
+            <a:endParaRPr lang="en-US" dirty="0"/>
           </a:p>
         </p:txBody>
       </p:sp>
@@ -15402,9 +15793,10 @@
             <a:p>
               <a:pPr algn="ctr"/>
               <a:r>
-                <a:rPr lang="en-US" sz="3200" dirty="0"/>
+                <a:rPr lang="en-US" sz="3200" dirty="0" smtClean="0"/>
                 <a:t>2</a:t>
               </a:r>
+              <a:endParaRPr lang="en-US" sz="3200" dirty="0"/>
             </a:p>
           </p:txBody>
         </p:sp>
@@ -15581,9 +15973,10 @@
             <a:p>
               <a:pPr algn="ctr"/>
               <a:r>
-                <a:rPr lang="en-US" sz="3200" dirty="0"/>
+                <a:rPr lang="en-US" sz="3200" dirty="0" smtClean="0"/>
                 <a:t>y</a:t>
               </a:r>
+              <a:endParaRPr lang="en-US" sz="3200" dirty="0"/>
             </a:p>
           </p:txBody>
         </p:sp>
@@ -15652,11 +16045,14 @@
           <a:lstStyle/>
           <a:p>
             <a:r>
-              <a:rPr lang="en-US" sz="3600" dirty="0">
+              <a:rPr lang="en-US" sz="3600" dirty="0" smtClean="0">
                 <a:latin typeface="Lucida Grande"/>
               </a:rPr>
               <a:t>Likewise, these equations</a:t>
             </a:r>
+            <a:endParaRPr lang="en-US" sz="3600" dirty="0">
+              <a:latin typeface="Lucida Grande"/>
+            </a:endParaRPr>
           </a:p>
         </p:txBody>
       </p:sp>
@@ -15780,23 +16176,26 @@
           <a:lstStyle/>
           <a:p>
             <a:r>
-              <a:rPr lang="en-US" sz="3600" dirty="0">
+              <a:rPr lang="en-US" sz="3600" dirty="0" smtClean="0">
                 <a:latin typeface="Lucida Grande"/>
               </a:rPr>
               <a:t>can be written as a dot product of a </a:t>
             </a:r>
             <a:r>
-              <a:rPr lang="en-US" sz="3600" i="1" dirty="0">
+              <a:rPr lang="en-US" sz="3600" i="1" dirty="0" smtClean="0">
                 <a:latin typeface="Lucida Grande"/>
               </a:rPr>
               <a:t>matrix</a:t>
             </a:r>
             <a:r>
-              <a:rPr lang="en-US" sz="3600" dirty="0">
+              <a:rPr lang="en-US" sz="3600" dirty="0" smtClean="0">
                 <a:latin typeface="Lucida Grande"/>
               </a:rPr>
               <a:t> and a vector: </a:t>
             </a:r>
+            <a:endParaRPr lang="en-US" sz="3600" dirty="0">
+              <a:latin typeface="Lucida Grande"/>
+            </a:endParaRPr>
           </a:p>
         </p:txBody>
       </p:sp>
@@ -15994,9 +16393,10 @@
           <a:p>
             <a:pPr algn="ctr"/>
             <a:r>
-              <a:rPr lang="en-US" sz="3200" dirty="0"/>
+              <a:rPr lang="en-US" sz="3200" dirty="0" smtClean="0"/>
               <a:t>3</a:t>
             </a:r>
+            <a:endParaRPr lang="en-US" sz="3200" dirty="0"/>
           </a:p>
         </p:txBody>
       </p:sp>
@@ -16366,13 +16766,18 @@
           <a:lstStyle/>
           <a:p>
             <a:r>
-              <a:rPr lang="en-US" sz="4400" dirty="0">
+              <a:rPr lang="en-US" sz="4400" dirty="0" smtClean="0">
                 <a:solidFill>
                   <a:schemeClr val="dk1"/>
                 </a:solidFill>
               </a:rPr>
               <a:t>12</a:t>
             </a:r>
+            <a:endParaRPr lang="en-US" sz="4400" dirty="0">
+              <a:solidFill>
+                <a:schemeClr val="dk1"/>
+              </a:solidFill>
+            </a:endParaRPr>
           </a:p>
         </p:txBody>
       </p:sp>
@@ -16414,9 +16819,10 @@
           <a:p>
             <a:pPr algn="ctr"/>
             <a:r>
-              <a:rPr lang="en-US" sz="3200" dirty="0"/>
+              <a:rPr lang="en-US" sz="3200" dirty="0" smtClean="0"/>
               <a:t>-1</a:t>
             </a:r>
+            <a:endParaRPr lang="en-US" sz="3200" dirty="0"/>
           </a:p>
         </p:txBody>
       </p:sp>
@@ -16502,9 +16908,10 @@
           <a:p>
             <a:pPr algn="ctr"/>
             <a:r>
-              <a:rPr lang="en-US" sz="3200" dirty="0"/>
+              <a:rPr lang="en-US" sz="3200" dirty="0" smtClean="0"/>
               <a:t>3</a:t>
             </a:r>
+            <a:endParaRPr lang="en-US" sz="3200" dirty="0"/>
           </a:p>
         </p:txBody>
       </p:sp>
@@ -16590,9 +16997,10 @@
           <a:p>
             <a:pPr algn="ctr"/>
             <a:r>
-              <a:rPr lang="en-US" sz="3200" dirty="0"/>
+              <a:rPr lang="en-US" sz="3200" dirty="0" smtClean="0"/>
               <a:t>9</a:t>
             </a:r>
+            <a:endParaRPr lang="en-US" sz="3200" dirty="0"/>
           </a:p>
         </p:txBody>
       </p:sp>
@@ -16786,13 +17194,18 @@
           <a:lstStyle/>
           <a:p>
             <a:r>
-              <a:rPr lang="en-US" sz="4400" dirty="0">
+              <a:rPr lang="en-US" sz="4400" dirty="0" smtClean="0">
                 <a:solidFill>
                   <a:schemeClr val="dk1"/>
                 </a:solidFill>
               </a:rPr>
               <a:t>8</a:t>
             </a:r>
+            <a:endParaRPr lang="en-US" sz="4400" dirty="0">
+              <a:solidFill>
+                <a:schemeClr val="dk1"/>
+              </a:solidFill>
+            </a:endParaRPr>
           </a:p>
         </p:txBody>
       </p:sp>
@@ -17086,9 +17499,10 @@
           <a:p>
             <a:pPr algn="ctr"/>
             <a:r>
-              <a:rPr lang="en-US" sz="3200" dirty="0"/>
+              <a:rPr lang="en-US" sz="3200" dirty="0" smtClean="0"/>
               <a:t>0</a:t>
             </a:r>
+            <a:endParaRPr lang="en-US" sz="3200" dirty="0"/>
           </a:p>
         </p:txBody>
       </p:sp>
@@ -17185,9 +17599,10 @@
             <a:p>
               <a:pPr algn="ctr"/>
               <a:r>
-                <a:rPr lang="en-US" sz="3200" dirty="0"/>
+                <a:rPr lang="en-US" sz="3200" dirty="0" smtClean="0"/>
                 <a:t>3</a:t>
               </a:r>
+              <a:endParaRPr lang="en-US" sz="3200" dirty="0"/>
             </a:p>
           </p:txBody>
         </p:sp>
@@ -17226,9 +17641,10 @@
             <a:p>
               <a:pPr algn="ctr"/>
               <a:r>
-                <a:rPr lang="en-US" sz="3200" dirty="0"/>
+                <a:rPr lang="en-US" sz="3200" dirty="0" smtClean="0"/>
                 <a:t>9</a:t>
               </a:r>
+              <a:endParaRPr lang="en-US" sz="3200" dirty="0"/>
             </a:p>
           </p:txBody>
         </p:sp>
@@ -17267,9 +17683,10 @@
             <a:p>
               <a:pPr algn="ctr"/>
               <a:r>
-                <a:rPr lang="en-US" sz="3200" dirty="0"/>
+                <a:rPr lang="en-US" sz="3200" dirty="0" smtClean="0"/>
                 <a:t>-1</a:t>
               </a:r>
+              <a:endParaRPr lang="en-US" sz="3200" dirty="0"/>
             </a:p>
           </p:txBody>
         </p:sp>
@@ -17437,9 +17854,10 @@
             <a:p>
               <a:pPr algn="ctr"/>
               <a:r>
-                <a:rPr lang="en-US" sz="3200" dirty="0"/>
+                <a:rPr lang="en-US" sz="3200" dirty="0" smtClean="0"/>
                 <a:t>0</a:t>
               </a:r>
+              <a:endParaRPr lang="en-US" sz="3200" dirty="0"/>
             </a:p>
           </p:txBody>
         </p:sp>
@@ -17478,9 +17896,10 @@
             <a:p>
               <a:pPr algn="ctr"/>
               <a:r>
-                <a:rPr lang="en-US" sz="3200" dirty="0"/>
+                <a:rPr lang="en-US" sz="3200" dirty="0" smtClean="0"/>
                 <a:t>4</a:t>
               </a:r>
+              <a:endParaRPr lang="en-US" sz="3200" dirty="0"/>
             </a:p>
           </p:txBody>
         </p:sp>
@@ -17534,9 +17953,10 @@
             <a:p>
               <a:pPr algn="ctr"/>
               <a:r>
-                <a:rPr lang="en-US" sz="3200" dirty="0"/>
+                <a:rPr lang="en-US" sz="3200" dirty="0" smtClean="0"/>
                 <a:t>7</a:t>
               </a:r>
+              <a:endParaRPr lang="en-US" sz="3200" dirty="0"/>
             </a:p>
           </p:txBody>
         </p:sp>
@@ -17575,9 +17995,10 @@
             <a:p>
               <a:pPr algn="ctr"/>
               <a:r>
-                <a:rPr lang="en-US" sz="3200" dirty="0"/>
+                <a:rPr lang="en-US" sz="3200" dirty="0" smtClean="0"/>
                 <a:t>12</a:t>
               </a:r>
+              <a:endParaRPr lang="en-US" sz="3200" dirty="0"/>
             </a:p>
           </p:txBody>
         </p:sp>
@@ -17616,9 +18037,10 @@
             <a:p>
               <a:pPr algn="ctr"/>
               <a:r>
-                <a:rPr lang="en-US" sz="3200" dirty="0"/>
+                <a:rPr lang="en-US" sz="3200" dirty="0" smtClean="0"/>
                 <a:t>8</a:t>
               </a:r>
+              <a:endParaRPr lang="en-US" sz="3200" dirty="0"/>
             </a:p>
           </p:txBody>
         </p:sp>
@@ -17633,6 +18055,21 @@
   <p:clrMapOvr>
     <a:masterClrMapping/>
   </p:clrMapOvr>
+  <mc:AlternateContent xmlns:mc="http://schemas.openxmlformats.org/markup-compatibility/2006" xmlns:p14="http://schemas.microsoft.com/office/powerpoint/2010/main">
+    <mc:Choice Requires="p14">
+      <p:transition spd="slow" p14:dur="2000"/>
+    </mc:Choice>
+    <mc:Fallback xmlns="">
+      <p:transition spd="slow"/>
+    </mc:Fallback>
+  </mc:AlternateContent>
+  <p:timing>
+    <p:tnLst>
+      <p:par>
+        <p:cTn id="1" dur="indefinite" restart="never" nodeType="tmRoot"/>
+      </p:par>
+    </p:tnLst>
+  </p:timing>
 </p:sld>
 </file>
 
@@ -17682,9 +18119,10 @@
           <a:lstStyle/>
           <a:p>
             <a:r>
-              <a:rPr lang="en-US" dirty="0"/>
+              <a:rPr lang="en-US" dirty="0" smtClean="0"/>
               <a:t>Other Notes</a:t>
             </a:r>
+            <a:endParaRPr lang="en-US" dirty="0"/>
           </a:p>
         </p:txBody>
       </p:sp>
@@ -17711,56 +18149,56 @@
           <a:lstStyle/>
           <a:p>
             <a:r>
-              <a:rPr lang="bg-BG" dirty="0"/>
+              <a:rPr lang="bg-BG" dirty="0" smtClean="0"/>
               <a:t>Dropout</a:t>
             </a:r>
           </a:p>
           <a:p>
             <a:pPr lvl="1"/>
             <a:r>
-              <a:rPr lang="en-US" dirty="0"/>
+              <a:rPr lang="en-US" dirty="0" smtClean="0"/>
               <a:t>S</a:t>
             </a:r>
             <a:r>
-              <a:rPr lang="bg-BG" dirty="0"/>
+              <a:rPr lang="bg-BG" dirty="0" smtClean="0"/>
               <a:t>tochastically set some values to zero during training</a:t>
             </a:r>
           </a:p>
           <a:p>
             <a:pPr lvl="1"/>
             <a:r>
-              <a:rPr lang="bg-BG" dirty="0"/>
+              <a:rPr lang="bg-BG" dirty="0" smtClean="0"/>
               <a:t>A form of regularization</a:t>
             </a:r>
           </a:p>
           <a:p>
             <a:pPr lvl="1"/>
             <a:r>
-              <a:rPr lang="bg-BG" dirty="0"/>
+              <a:rPr lang="bg-BG" dirty="0" smtClean="0"/>
               <a:t>One line of code in pytorch</a:t>
             </a:r>
           </a:p>
           <a:p>
             <a:r>
-              <a:rPr lang="bg-BG" dirty="0"/>
+              <a:rPr lang="bg-BG" dirty="0" smtClean="0"/>
               <a:t>Optimization</a:t>
             </a:r>
           </a:p>
           <a:p>
             <a:pPr lvl="1"/>
             <a:r>
-              <a:rPr lang="bg-BG" dirty="0"/>
+              <a:rPr lang="bg-BG" dirty="0" smtClean="0"/>
               <a:t>Variants: e.g., adaptive/adagrad</a:t>
             </a:r>
           </a:p>
           <a:p>
             <a:pPr lvl="1"/>
             <a:r>
-              <a:rPr lang="en-US" dirty="0"/>
+              <a:rPr lang="en-US" dirty="0" smtClean="0"/>
               <a:t>O</a:t>
             </a:r>
             <a:r>
-              <a:rPr lang="bg-BG" dirty="0"/>
+              <a:rPr lang="bg-BG" dirty="0" smtClean="0"/>
               <a:t>ptional link:</a:t>
             </a:r>
           </a:p>
@@ -17770,10 +18208,16 @@
               <a:rPr lang="en-US" dirty="0">
                 <a:hlinkClick r:id="rId2"/>
               </a:rPr>
-              <a:t>https://towardsdatascience.com/types-of-optimization-algorithms-used-in-neural-networks-and-ways-to-optimize-gradient-95ae5d39529f</a:t>
-            </a:r>
-            <a:r>
-              <a:rPr lang="bg-BG" dirty="0"/>
+              <a:t>https://</a:t>
+            </a:r>
+            <a:r>
+              <a:rPr lang="en-US" dirty="0" smtClean="0">
+                <a:hlinkClick r:id="rId2"/>
+              </a:rPr>
+              <a:t>towardsdatascience.com/types-of-optimization-algorithms-used-in-neural-networks-and-ways-to-optimize-gradient-95ae5d39529f</a:t>
+            </a:r>
+            <a:r>
+              <a:rPr lang="bg-BG" dirty="0" smtClean="0"/>
               <a:t> </a:t>
             </a:r>
             <a:endParaRPr lang="en-US" dirty="0"/>
@@ -17790,6 +18234,13 @@
   <p:clrMapOvr>
     <a:masterClrMapping/>
   </p:clrMapOvr>
+  <p:timing>
+    <p:tnLst>
+      <p:par>
+        <p:cTn id="1" dur="indefinite" restart="never" nodeType="tmRoot"/>
+      </p:par>
+    </p:tnLst>
+  </p:timing>
 </p:sld>
 </file>
 
@@ -17826,9 +18277,10 @@
           <a:lstStyle/>
           <a:p>
             <a:r>
-              <a:rPr lang="en-US" dirty="0"/>
+              <a:rPr lang="en-US" dirty="0" smtClean="0"/>
               <a:t>Links about Backpropagation</a:t>
             </a:r>
+            <a:endParaRPr lang="en-US" dirty="0"/>
           </a:p>
         </p:txBody>
       </p:sp>
@@ -17858,10 +18310,16 @@
               <a:rPr lang="en-US" dirty="0">
                 <a:hlinkClick r:id="rId2"/>
               </a:rPr>
-              <a:t>http://colah.github.io/posts/2015-08-Backprop/</a:t>
-            </a:r>
-            <a:r>
-              <a:rPr lang="en-US" dirty="0"/>
+              <a:t>http://colah.github.io/posts/2015-08-Backprop</a:t>
+            </a:r>
+            <a:r>
+              <a:rPr lang="en-US" dirty="0" smtClean="0">
+                <a:hlinkClick r:id="rId2"/>
+              </a:rPr>
+              <a:t>/</a:t>
+            </a:r>
+            <a:r>
+              <a:rPr lang="en-US" dirty="0" smtClean="0"/>
               <a:t>  </a:t>
             </a:r>
           </a:p>
@@ -17870,94 +18328,141 @@
               <a:rPr lang="en-US" dirty="0">
                 <a:hlinkClick r:id="rId3"/>
               </a:rPr>
-              <a:t>https://medium.com/@karpathy/yes-you-should-understand-backprop-e2f06eab496b</a:t>
-            </a:r>
-            <a:r>
-              <a:rPr lang="en-US" dirty="0"/>
+              <a:t>https://medium.com/@</a:t>
+            </a:r>
+            <a:r>
+              <a:rPr lang="en-US" dirty="0" smtClean="0">
+                <a:hlinkClick r:id="rId3"/>
+              </a:rPr>
+              <a:t>karpathy/yes-you-should-understand-backprop-e2f06eab496b</a:t>
+            </a:r>
+            <a:r>
+              <a:rPr lang="en-US" dirty="0" smtClean="0"/>
               <a:t> </a:t>
             </a:r>
-          </a:p>
-          <a:p>
-            <a:r>
-              <a:rPr lang="en-US" dirty="0">
+            <a:endParaRPr lang="en-US" dirty="0"/>
+          </a:p>
+          <a:p>
+            <a:r>
+              <a:rPr lang="en-US" dirty="0" smtClean="0">
                 <a:hlinkClick r:id="rId4"/>
               </a:rPr>
               <a:t>https://machinelearningmastery.com/implement-backpropagation-algorithm-scratch-python/</a:t>
             </a:r>
             <a:r>
-              <a:rPr lang="en-US" dirty="0"/>
+              <a:rPr lang="en-US" dirty="0" smtClean="0"/>
               <a:t> </a:t>
             </a:r>
           </a:p>
           <a:p>
+            <a:r>
+              <a:rPr lang="en-US" dirty="0" smtClean="0">
+                <a:hlinkClick r:id="rId5"/>
+              </a:rPr>
+              <a:t>http</a:t>
+            </a:r>
             <a:r>
               <a:rPr lang="en-US" dirty="0">
                 <a:hlinkClick r:id="rId5"/>
               </a:rPr>
-              <a:t>http://staff.itee.uq.edu.au/janetw/cmc/chapters/BackProp/index2.html</a:t>
-            </a:r>
-            <a:r>
-              <a:rPr lang="en-US" dirty="0"/>
+              <a:t>://</a:t>
+            </a:r>
+            <a:r>
+              <a:rPr lang="en-US" dirty="0" smtClean="0">
+                <a:hlinkClick r:id="rId5"/>
+              </a:rPr>
+              <a:t>staff.itee.uq.edu.au/janetw/cmc/chapters/BackProp/index2.html</a:t>
+            </a:r>
+            <a:r>
+              <a:rPr lang="en-US" dirty="0" smtClean="0"/>
               <a:t> </a:t>
             </a:r>
+            <a:endParaRPr lang="en-US" dirty="0"/>
           </a:p>
           <a:p>
             <a:r>
               <a:rPr lang="en-US" dirty="0">
                 <a:hlinkClick r:id="rId6"/>
               </a:rPr>
-              <a:t>https://medium.com/@14prakash/back-propagation-is-very-simple-who-made-it-complicated-97b794c97e5c</a:t>
-            </a:r>
-            <a:r>
-              <a:rPr lang="en-US" dirty="0"/>
+              <a:t>https://medium.com/@</a:t>
+            </a:r>
+            <a:r>
+              <a:rPr lang="en-US" dirty="0" smtClean="0">
+                <a:hlinkClick r:id="rId6"/>
+              </a:rPr>
+              <a:t>14prakash/back-propagation-is-very-simple-who-made-it-complicated-97b794c97e5c</a:t>
+            </a:r>
+            <a:r>
+              <a:rPr lang="en-US" dirty="0" smtClean="0"/>
               <a:t> </a:t>
             </a:r>
+            <a:endParaRPr lang="en-US" dirty="0"/>
           </a:p>
           <a:p>
             <a:r>
               <a:rPr lang="en-US" dirty="0">
                 <a:hlinkClick r:id="rId7"/>
               </a:rPr>
-              <a:t>https://stats.stackexchange.com/questions/235528/backpropagation-with-softmax-cross-entropy</a:t>
-            </a:r>
-            <a:r>
-              <a:rPr lang="en-US" dirty="0"/>
+              <a:t>https://</a:t>
+            </a:r>
+            <a:r>
+              <a:rPr lang="en-US" dirty="0" smtClean="0">
+                <a:hlinkClick r:id="rId7"/>
+              </a:rPr>
+              <a:t>stats.stackexchange.com/questions/235528/backpropagation-with-softmax-cross-entropy</a:t>
+            </a:r>
+            <a:r>
+              <a:rPr lang="en-US" dirty="0" smtClean="0"/>
               <a:t> </a:t>
             </a:r>
+            <a:endParaRPr lang="en-US" dirty="0"/>
           </a:p>
           <a:p>
             <a:r>
               <a:rPr lang="en-US" dirty="0">
                 <a:hlinkClick r:id="rId8"/>
               </a:rPr>
-              <a:t>http://neuralnetworksanddeeplearning.com/chap2.html</a:t>
-            </a:r>
-            <a:r>
-              <a:rPr lang="en-US" dirty="0"/>
+              <a:t>http://</a:t>
+            </a:r>
+            <a:r>
+              <a:rPr lang="en-US" dirty="0" smtClean="0">
+                <a:hlinkClick r:id="rId8"/>
+              </a:rPr>
+              <a:t>neuralnetworksanddeeplearning.com/chap2.html</a:t>
+            </a:r>
+            <a:r>
+              <a:rPr lang="en-US" dirty="0" smtClean="0"/>
               <a:t> </a:t>
             </a:r>
+            <a:endParaRPr lang="en-US" dirty="0"/>
           </a:p>
           <a:p>
             <a:r>
               <a:rPr lang="en-US" dirty="0">
                 <a:hlinkClick r:id="rId9"/>
               </a:rPr>
-              <a:t>https://google-developers.appspot.com/machine-learning/crash-course/backprop-scroll/</a:t>
-            </a:r>
-            <a:r>
-              <a:rPr lang="en-US" dirty="0"/>
+              <a:t>https</a:t>
+            </a:r>
+            <a:r>
+              <a:rPr lang="en-US" dirty="0" smtClean="0">
+                <a:hlinkClick r:id="rId9"/>
+              </a:rPr>
+              <a:t>://google-developers.appspot.com/machine-learning/crash-course/backprop-scroll/</a:t>
+            </a:r>
+            <a:r>
+              <a:rPr lang="en-US" dirty="0" smtClean="0"/>
               <a:t> </a:t>
             </a:r>
           </a:p>
           <a:p>
             <a:r>
-              <a:rPr lang="en-US" dirty="0">
+              <a:rPr lang="en-US" dirty="0" smtClean="0">
                 <a:hlinkClick r:id="rId10"/>
               </a:rPr>
               <a:t>https://mattmazur.com/2015/03/17/a-step-by-step-backpropagation-example/</a:t>
             </a:r>
             <a:r>
-              <a:rPr lang="en-US" dirty="0"/>
+              <a:rPr lang="en-US" dirty="0" smtClean="0"/>
               <a:t> </a:t>
             </a:r>
           </a:p>
@@ -17976,6 +18481,13 @@
   <p:clrMapOvr>
     <a:masterClrMapping/>
   </p:clrMapOvr>
+  <p:timing>
+    <p:tnLst>
+      <p:par>
+        <p:cTn id="1" dur="indefinite" restart="never" nodeType="tmRoot"/>
+      </p:par>
+    </p:tnLst>
+  </p:timing>
 </p:sld>
 </file>
 
@@ -18254,6 +18766,13 @@
   <p:clrMapOvr>
     <a:masterClrMapping/>
   </p:clrMapOvr>
+  <p:timing>
+    <p:tnLst>
+      <p:par>
+        <p:cTn id="1" dur="indefinite" restart="never" nodeType="tmRoot"/>
+      </p:par>
+    </p:tnLst>
+  </p:timing>
 </p:sld>
 </file>
 
@@ -18321,6 +18840,13 @@
   <p:clrMapOvr>
     <a:masterClrMapping/>
   </p:clrMapOvr>
+  <p:timing>
+    <p:tnLst>
+      <p:par>
+        <p:cTn id="1" dur="indefinite" restart="never" nodeType="tmRoot"/>
+      </p:par>
+    </p:tnLst>
+  </p:timing>
 </p:sld>
 </file>
 
@@ -18413,7 +18939,25 @@
                 <a:ea typeface="+mj-ea"/>
                 <a:cs typeface="Georgia"/>
               </a:rPr>
-              <a:t>Machine Learning</a:t>
+              <a:t>Machine </a:t>
+            </a:r>
+            <a:r>
+              <a:rPr lang="en" sz="4667" b="1" kern="1200" dirty="0" smtClean="0">
+                <a:solidFill>
+                  <a:srgbClr val="FF0000"/>
+                </a:solidFill>
+                <a:effectLst>
+                  <a:innerShdw blurRad="63500" dist="50800" dir="13500000">
+                    <a:srgbClr val="000000">
+                      <a:alpha val="50000"/>
+                    </a:srgbClr>
+                  </a:innerShdw>
+                </a:effectLst>
+                <a:latin typeface="Georgia"/>
+                <a:ea typeface="+mj-ea"/>
+                <a:cs typeface="Georgia"/>
+              </a:rPr>
+              <a:t>Learning</a:t>
             </a:r>
             <a:endParaRPr lang="en" dirty="0"/>
           </a:p>
@@ -18664,13 +19208,18 @@
             <a:lstStyle/>
             <a:p>
               <a:r>
-                <a:rPr lang="en" sz="3200" dirty="0">
+                <a:rPr lang="en" sz="3200" dirty="0" smtClean="0">
                   <a:solidFill>
                     <a:srgbClr val="FF0000"/>
                   </a:solidFill>
                 </a:rPr>
                 <a:t>Input feature vector</a:t>
               </a:r>
+              <a:endParaRPr lang="en" sz="3200" dirty="0">
+                <a:solidFill>
+                  <a:srgbClr val="FF0000"/>
+                </a:solidFill>
+              </a:endParaRPr>
             </a:p>
           </p:txBody>
         </p:sp>
@@ -18926,7 +19475,7 @@
             <a:p>
               <a:pPr algn="ctr"/>
               <a:r>
-                <a:rPr lang="cy-GB" sz="2400" dirty="0">
+                <a:rPr lang="cy-GB" sz="2400" dirty="0" smtClean="0">
                   <a:solidFill>
                     <a:schemeClr val="tx1"/>
                   </a:solidFill>
@@ -19352,7 +19901,7 @@
             <a:p>
               <a:pPr algn="r"/>
               <a:r>
-                <a:rPr lang="en" sz="3200" dirty="0">
+                <a:rPr lang="en" sz="3200" dirty="0" smtClean="0">
                   <a:solidFill>
                     <a:srgbClr val="FF0000"/>
                   </a:solidFill>
@@ -19363,13 +19912,18 @@
             <a:p>
               <a:pPr algn="r"/>
               <a:r>
-                <a:rPr lang="en" sz="3200" dirty="0">
+                <a:rPr lang="en" sz="3200" dirty="0" smtClean="0">
                   <a:solidFill>
                     <a:srgbClr val="FF0000"/>
                   </a:solidFill>
                 </a:rPr>
                 <a:t>value</a:t>
               </a:r>
+              <a:endParaRPr lang="en" sz="3200" dirty="0">
+                <a:solidFill>
+                  <a:srgbClr val="FF0000"/>
+                </a:solidFill>
+              </a:endParaRPr>
             </a:p>
           </p:txBody>
         </p:sp>
@@ -19401,13 +19955,18 @@
           <a:p>
             <a:pPr algn="r"/>
             <a:r>
-              <a:rPr lang="en" sz="3200" dirty="0">
+              <a:rPr lang="en" sz="3200" dirty="0" smtClean="0">
                 <a:solidFill>
                   <a:srgbClr val="FF0000"/>
                 </a:solidFill>
               </a:rPr>
               <a:t>Sigmoid or other nonlinearity</a:t>
             </a:r>
+            <a:endParaRPr lang="en" sz="3200" dirty="0">
+              <a:solidFill>
+                <a:srgbClr val="FF0000"/>
+              </a:solidFill>
+            </a:endParaRPr>
           </a:p>
         </p:txBody>
       </p:sp>
@@ -19520,6 +20079,13 @@
   <p:transition spd="slow">
     <p:cut/>
   </p:transition>
+  <p:timing>
+    <p:tnLst>
+      <p:par>
+        <p:cTn id="1" dur="indefinite" restart="never" nodeType="tmRoot"/>
+      </p:par>
+    </p:tnLst>
+  </p:timing>
 </p:sld>
 </file>
 
@@ -19612,7 +20178,25 @@
                 <a:ea typeface="+mj-ea"/>
                 <a:cs typeface="Georgia"/>
               </a:rPr>
-              <a:t>Machine Learning</a:t>
+              <a:t>Machine </a:t>
+            </a:r>
+            <a:r>
+              <a:rPr lang="en" sz="4667" b="1" kern="1200" dirty="0" smtClean="0">
+                <a:solidFill>
+                  <a:srgbClr val="FF0000"/>
+                </a:solidFill>
+                <a:effectLst>
+                  <a:innerShdw blurRad="63500" dist="50800" dir="13500000">
+                    <a:srgbClr val="000000">
+                      <a:alpha val="50000"/>
+                    </a:srgbClr>
+                  </a:innerShdw>
+                </a:effectLst>
+                <a:latin typeface="Georgia"/>
+                <a:ea typeface="+mj-ea"/>
+                <a:cs typeface="Georgia"/>
+              </a:rPr>
+              <a:t>Learning</a:t>
             </a:r>
             <a:endParaRPr lang="en" dirty="0"/>
           </a:p>
@@ -20165,7 +20749,7 @@
           <a:p>
             <a:pPr algn="ctr"/>
             <a:r>
-              <a:rPr lang="cy-GB" sz="2400" dirty="0">
+              <a:rPr lang="cy-GB" sz="2400" dirty="0" smtClean="0">
                 <a:solidFill>
                   <a:schemeClr val="tx1"/>
                 </a:solidFill>
@@ -20465,7 +21049,7 @@
             <a:lstStyle/>
             <a:p>
               <a:r>
-                <a:rPr lang="en" sz="3200" dirty="0">
+                <a:rPr lang="en" sz="3200" dirty="0" smtClean="0">
                   <a:solidFill>
                     <a:srgbClr val="FF0000"/>
                   </a:solidFill>
@@ -20475,13 +21059,18 @@
             </a:p>
             <a:p>
               <a:r>
-                <a:rPr lang="en" sz="3200" dirty="0">
+                <a:rPr lang="en" sz="3200" dirty="0" smtClean="0">
                   <a:solidFill>
                     <a:srgbClr val="FF0000"/>
                   </a:solidFill>
                 </a:rPr>
                 <a:t>value</a:t>
               </a:r>
+              <a:endParaRPr lang="en" sz="3200" dirty="0">
+                <a:solidFill>
+                  <a:srgbClr val="FF0000"/>
+                </a:solidFill>
+              </a:endParaRPr>
             </a:p>
           </p:txBody>
         </p:sp>
@@ -20510,7 +21099,7 @@
           <a:p>
             <a:pPr algn="ctr"/>
             <a:r>
-              <a:rPr lang="en-US" sz="8800" b="1" dirty="0">
+              <a:rPr lang="en-US" sz="8800" b="1" dirty="0" smtClean="0">
                 <a:ln w="22225">
                   <a:noFill/>
                   <a:prstDash val="solid"/>
@@ -20651,13 +21240,18 @@
             <a:lstStyle/>
             <a:p>
               <a:r>
-                <a:rPr lang="en" sz="3200" dirty="0">
+                <a:rPr lang="en" sz="3200" dirty="0" smtClean="0">
                   <a:solidFill>
                     <a:srgbClr val="FF0000"/>
                   </a:solidFill>
                 </a:rPr>
                 <a:t>How wrong were we?</a:t>
               </a:r>
+              <a:endParaRPr lang="en" sz="3200" dirty="0">
+                <a:solidFill>
+                  <a:srgbClr val="FF0000"/>
+                </a:solidFill>
+              </a:endParaRPr>
             </a:p>
           </p:txBody>
         </p:sp>
@@ -20789,13 +21383,18 @@
           <a:lstStyle/>
           <a:p>
             <a:r>
-              <a:rPr lang="en" sz="3200" dirty="0">
+              <a:rPr lang="en" sz="3200" dirty="0" smtClean="0">
                 <a:solidFill>
                   <a:srgbClr val="FF0000"/>
                 </a:solidFill>
               </a:rPr>
               <a:t>Update parameters</a:t>
             </a:r>
+            <a:endParaRPr lang="en" sz="3200" dirty="0">
+              <a:solidFill>
+                <a:srgbClr val="FF0000"/>
+              </a:solidFill>
+            </a:endParaRPr>
           </a:p>
         </p:txBody>
       </p:sp>
@@ -20812,6 +21411,13 @@
   <p:transition spd="slow">
     <p:cut/>
   </p:transition>
+  <p:timing>
+    <p:tnLst>
+      <p:par>
+        <p:cTn id="1" dur="indefinite" restart="never" nodeType="tmRoot"/>
+      </p:par>
+    </p:tnLst>
+  </p:timing>
 </p:sld>
 </file>
 
@@ -20856,9 +21462,10 @@
           <a:lstStyle/>
           <a:p>
             <a:r>
-              <a:rPr lang="en-US" dirty="0"/>
+              <a:rPr lang="en-US" dirty="0" smtClean="0"/>
               <a:t>A Simplified Diagram</a:t>
             </a:r>
+            <a:endParaRPr lang="en-US" dirty="0"/>
           </a:p>
         </p:txBody>
       </p:sp>
@@ -20886,7 +21493,7 @@
           <a:p>
             <a:pPr lvl="0" algn="ctr"/>
             <a:r>
-              <a:rPr lang="en-US" sz="2800" dirty="0">
+              <a:rPr lang="en-US" sz="2800" dirty="0" smtClean="0">
                 <a:solidFill>
                   <a:srgbClr val="9DBFBE">
                     <a:lumMod val="50000"/>
@@ -20955,7 +21562,7 @@
           <a:p>
             <a:pPr algn="ctr"/>
             <a:r>
-              <a:rPr lang="en-US" sz="2800" dirty="0">
+              <a:rPr lang="en-US" sz="2800" dirty="0" smtClean="0">
                 <a:solidFill>
                   <a:schemeClr val="accent1">
                     <a:lumMod val="50000"/>
@@ -21062,7 +21669,7 @@
           <a:p>
             <a:pPr algn="ctr"/>
             <a:r>
-              <a:rPr lang="en-US" sz="2800" dirty="0">
+              <a:rPr lang="en-US" sz="2800" dirty="0" smtClean="0">
                 <a:solidFill>
                   <a:schemeClr val="accent1">
                     <a:lumMod val="50000"/>
@@ -21204,6 +21811,13 @@
   <p:clrMapOvr>
     <a:masterClrMapping/>
   </p:clrMapOvr>
+  <p:timing>
+    <p:tnLst>
+      <p:par>
+        <p:cTn id="1" dur="indefinite" restart="never" nodeType="tmRoot"/>
+      </p:par>
+    </p:tnLst>
+  </p:timing>
 </p:sld>
 </file>
 
@@ -21253,7 +21867,7 @@
           <a:lstStyle/>
           <a:p>
             <a:r>
-              <a:rPr lang="bg-BG" dirty="0"/>
+              <a:rPr lang="bg-BG" dirty="0" smtClean="0"/>
               <a:t>Training Process</a:t>
             </a:r>
             <a:endParaRPr lang="en-US" dirty="0"/>
@@ -21384,6 +21998,13 @@
   <p:clrMapOvr>
     <a:masterClrMapping/>
   </p:clrMapOvr>
+  <p:timing>
+    <p:tnLst>
+      <p:par>
+        <p:cTn id="1" dur="indefinite" restart="never" nodeType="tmRoot"/>
+      </p:par>
+    </p:tnLst>
+  </p:timing>
 </p:sld>
 </file>
 
